--- a/GenViz_Module4_Lecture.pptx
+++ b/GenViz_Module4_Lecture.pptx
@@ -124,7 +124,7 @@
   </p:defaultTextStyle>
   <p:extLst>
     <p:ext uri="{EFAFB233-063F-42B5-8137-9DF3F51BA10A}">
-      <p15:sldGuideLst xmlns:p15="http://schemas.microsoft.com/office/powerpoint/2012/main" xmlns="">
+      <p15:sldGuideLst xmlns="" xmlns:p15="http://schemas.microsoft.com/office/powerpoint/2012/main">
         <p15:guide id="1" orient="horz" pos="2160">
           <p15:clr>
             <a:srgbClr val="A4A3A4"/>
@@ -224,7 +224,7 @@
             <a:fld id="{03643E35-CD80-874A-A3D7-254E954BB753}" type="datetimeFigureOut">
               <a:rPr lang="en-US" smtClean="0"/>
               <a:pPr/>
-              <a:t>9/8/17</a:t>
+              <a:t>9/13/17</a:t>
             </a:fld>
             <a:endParaRPr lang="en-US"/>
           </a:p>
@@ -391,7 +391,7 @@
             <a:fld id="{5C416C15-7665-174C-99B8-5B237ACA6582}" type="datetimeFigureOut">
               <a:rPr lang="en-US" smtClean="0"/>
               <a:pPr/>
-              <a:t>9/8/17</a:t>
+              <a:t>9/13/17</a:t>
             </a:fld>
             <a:endParaRPr lang="en-US"/>
           </a:p>
@@ -4588,7 +4588,11 @@
           <a:p>
             <a:r>
               <a:rPr lang="en-US" dirty="0" smtClean="0"/>
-              <a:t>What are raw counts</a:t>
+              <a:t>What are raw </a:t>
+            </a:r>
+            <a:r>
+              <a:rPr lang="en-US" dirty="0" smtClean="0"/>
+              <a:t>counts?</a:t>
             </a:r>
             <a:endParaRPr lang="en-US" dirty="0"/>
           </a:p>
@@ -5195,7 +5199,7 @@
   <a:extraClrSchemeLst/>
   <a:extLst>
     <a:ext uri="{05A4C25C-085E-4340-85A3-A5531E510DB2}">
-      <thm15:themeFamily xmlns:thm15="http://schemas.microsoft.com/office/thememl/2012/main" xmlns="" name="MGI_4-3_ratio_v1a" id="{9A0171FA-20F4-F840-B1C8-29D686AB0540}" vid="{60506783-C923-7847-B1CA-7C860CC95497}"/>
+      <thm15:themeFamily xmlns="" xmlns:thm15="http://schemas.microsoft.com/office/thememl/2012/main" name="MGI_4-3_ratio_v1a" id="{9A0171FA-20F4-F840-B1C8-29D686AB0540}" vid="{60506783-C923-7847-B1CA-7C860CC95497}"/>
     </a:ext>
   </a:extLst>
 </a:theme>

--- a/GenViz_Module4_Lecture.pptx
+++ b/GenViz_Module4_Lecture.pptx
@@ -5,10 +5,10 @@
     <p:sldMasterId id="2147483648" r:id="rId1"/>
   </p:sldMasterIdLst>
   <p:notesMasterIdLst>
-    <p:notesMasterId r:id="rId15"/>
+    <p:notesMasterId r:id="rId14"/>
   </p:notesMasterIdLst>
   <p:handoutMasterIdLst>
-    <p:handoutMasterId r:id="rId16"/>
+    <p:handoutMasterId r:id="rId15"/>
   </p:handoutMasterIdLst>
   <p:sldIdLst>
     <p:sldId id="256" r:id="rId2"/>
@@ -23,7 +23,6 @@
     <p:sldId id="262" r:id="rId11"/>
     <p:sldId id="268" r:id="rId12"/>
     <p:sldId id="263" r:id="rId13"/>
-    <p:sldId id="264" r:id="rId14"/>
   </p:sldIdLst>
   <p:sldSz cx="9144000" cy="6858000" type="screen4x3"/>
   <p:notesSz cx="6858000" cy="9144000"/>
@@ -3545,74 +3544,6 @@
     <p:extLst>
       <p:ext uri="{BB962C8B-B14F-4D97-AF65-F5344CB8AC3E}">
         <p14:creationId xmlns:p14="http://schemas.microsoft.com/office/powerpoint/2010/main" val="1401429776"/>
-      </p:ext>
-    </p:extLst>
-  </p:cSld>
-  <p:clrMapOvr>
-    <a:masterClrMapping/>
-  </p:clrMapOvr>
-</p:sld>
-</file>
-
-<file path=ppt/slides/slide13.xml><?xml version="1.0" encoding="utf-8"?>
-<p:sld xmlns:a="http://schemas.openxmlformats.org/drawingml/2006/main" xmlns:r="http://schemas.openxmlformats.org/officeDocument/2006/relationships" xmlns:p="http://schemas.openxmlformats.org/presentationml/2006/main">
-  <p:cSld>
-    <p:spTree>
-      <p:nvGrpSpPr>
-        <p:cNvPr id="1" name=""/>
-        <p:cNvGrpSpPr/>
-        <p:nvPr/>
-      </p:nvGrpSpPr>
-      <p:grpSpPr>
-        <a:xfrm>
-          <a:off x="0" y="0"/>
-          <a:ext cx="0" cy="0"/>
-          <a:chOff x="0" y="0"/>
-          <a:chExt cx="0" cy="0"/>
-        </a:xfrm>
-      </p:grpSpPr>
-      <p:sp>
-        <p:nvSpPr>
-          <p:cNvPr id="2" name="Title 1"/>
-          <p:cNvSpPr>
-            <a:spLocks noGrp="1"/>
-          </p:cNvSpPr>
-          <p:nvPr>
-            <p:ph type="title"/>
-          </p:nvPr>
-        </p:nvSpPr>
-        <p:spPr/>
-        <p:txBody>
-          <a:bodyPr/>
-          <a:lstStyle/>
-          <a:p>
-            <a:endParaRPr lang="en-US"/>
-          </a:p>
-        </p:txBody>
-      </p:sp>
-      <p:sp>
-        <p:nvSpPr>
-          <p:cNvPr id="3" name="Content Placeholder 2"/>
-          <p:cNvSpPr>
-            <a:spLocks noGrp="1"/>
-          </p:cNvSpPr>
-          <p:nvPr>
-            <p:ph idx="1"/>
-          </p:nvPr>
-        </p:nvSpPr>
-        <p:spPr/>
-        <p:txBody>
-          <a:bodyPr/>
-          <a:lstStyle/>
-          <a:p>
-            <a:endParaRPr lang="en-US"/>
-          </a:p>
-        </p:txBody>
-      </p:sp>
-    </p:spTree>
-    <p:extLst>
-      <p:ext uri="{BB962C8B-B14F-4D97-AF65-F5344CB8AC3E}">
-        <p14:creationId xmlns:p14="http://schemas.microsoft.com/office/powerpoint/2010/main" val="2039340216"/>
       </p:ext>
     </p:extLst>
   </p:cSld>

--- a/GenViz_Module4_Lecture.pptx
+++ b/GenViz_Module4_Lecture.pptx
@@ -5,10 +5,10 @@
     <p:sldMasterId id="2147483648" r:id="rId1"/>
   </p:sldMasterIdLst>
   <p:notesMasterIdLst>
-    <p:notesMasterId r:id="rId14"/>
+    <p:notesMasterId r:id="rId15"/>
   </p:notesMasterIdLst>
   <p:handoutMasterIdLst>
-    <p:handoutMasterId r:id="rId15"/>
+    <p:handoutMasterId r:id="rId16"/>
   </p:handoutMasterIdLst>
   <p:sldIdLst>
     <p:sldId id="256" r:id="rId2"/>
@@ -23,6 +23,7 @@
     <p:sldId id="262" r:id="rId11"/>
     <p:sldId id="268" r:id="rId12"/>
     <p:sldId id="263" r:id="rId13"/>
+    <p:sldId id="270" r:id="rId14"/>
   </p:sldIdLst>
   <p:sldSz cx="9144000" cy="6858000" type="screen4x3"/>
   <p:notesSz cx="6858000" cy="9144000"/>
@@ -123,7 +124,7 @@
   </p:defaultTextStyle>
   <p:extLst>
     <p:ext uri="{EFAFB233-063F-42B5-8137-9DF3F51BA10A}">
-      <p15:sldGuideLst xmlns="" xmlns:p15="http://schemas.microsoft.com/office/powerpoint/2012/main">
+      <p15:sldGuideLst xmlns:p15="http://schemas.microsoft.com/office/powerpoint/2012/main" xmlns="">
         <p15:guide id="1" orient="horz" pos="2160">
           <p15:clr>
             <a:srgbClr val="A4A3A4"/>
@@ -223,7 +224,7 @@
             <a:fld id="{03643E35-CD80-874A-A3D7-254E954BB753}" type="datetimeFigureOut">
               <a:rPr lang="en-US" smtClean="0"/>
               <a:pPr/>
-              <a:t>9/13/17</a:t>
+              <a:t>9/14/17</a:t>
             </a:fld>
             <a:endParaRPr lang="en-US"/>
           </a:p>
@@ -390,7 +391,7 @@
             <a:fld id="{5C416C15-7665-174C-99B8-5B237ACA6582}" type="datetimeFigureOut">
               <a:rPr lang="en-US" smtClean="0"/>
               <a:pPr/>
-              <a:t>9/13/17</a:t>
+              <a:t>9/14/17</a:t>
             </a:fld>
             <a:endParaRPr lang="en-US"/>
           </a:p>
@@ -801,6 +802,227 @@
     <p:extLst>
       <p:ext uri="{BB962C8B-B14F-4D97-AF65-F5344CB8AC3E}">
         <p14:creationId xmlns:p14="http://schemas.microsoft.com/office/powerpoint/2010/main" val="3848496354"/>
+      </p:ext>
+    </p:extLst>
+  </p:cSld>
+  <p:clrMapOvr>
+    <a:masterClrMapping/>
+  </p:clrMapOvr>
+</p:notes>
+</file>
+
+<file path=ppt/notesSlides/notesSlide2.xml><?xml version="1.0" encoding="utf-8"?>
+<p:notes xmlns:a="http://schemas.openxmlformats.org/drawingml/2006/main" xmlns:r="http://schemas.openxmlformats.org/officeDocument/2006/relationships" xmlns:p="http://schemas.openxmlformats.org/presentationml/2006/main">
+  <p:cSld>
+    <p:spTree>
+      <p:nvGrpSpPr>
+        <p:cNvPr id="1" name=""/>
+        <p:cNvGrpSpPr/>
+        <p:nvPr/>
+      </p:nvGrpSpPr>
+      <p:grpSpPr>
+        <a:xfrm>
+          <a:off x="0" y="0"/>
+          <a:ext cx="0" cy="0"/>
+          <a:chOff x="0" y="0"/>
+          <a:chExt cx="0" cy="0"/>
+        </a:xfrm>
+      </p:grpSpPr>
+      <p:sp>
+        <p:nvSpPr>
+          <p:cNvPr id="2" name="Slide Image Placeholder 1"/>
+          <p:cNvSpPr>
+            <a:spLocks noGrp="1" noRot="1" noChangeAspect="1"/>
+          </p:cNvSpPr>
+          <p:nvPr>
+            <p:ph type="sldImg"/>
+          </p:nvPr>
+        </p:nvSpPr>
+        <p:spPr/>
+      </p:sp>
+      <p:sp>
+        <p:nvSpPr>
+          <p:cNvPr id="3" name="Notes Placeholder 2"/>
+          <p:cNvSpPr>
+            <a:spLocks noGrp="1"/>
+          </p:cNvSpPr>
+          <p:nvPr>
+            <p:ph type="body" idx="1"/>
+          </p:nvPr>
+        </p:nvSpPr>
+        <p:spPr/>
+        <p:txBody>
+          <a:bodyPr/>
+          <a:lstStyle/>
+          <a:p>
+            <a:pPr marL="0" marR="0" indent="0" algn="l" defTabSz="457200" rtl="0" eaLnBrk="1" fontAlgn="auto" latinLnBrk="0" hangingPunct="1">
+              <a:lnSpc>
+                <a:spcPct val="100000"/>
+              </a:lnSpc>
+              <a:spcBef>
+                <a:spcPts val="0"/>
+              </a:spcBef>
+              <a:spcAft>
+                <a:spcPts val="0"/>
+              </a:spcAft>
+              <a:buClrTx/>
+              <a:buSzTx/>
+              <a:buFontTx/>
+              <a:buNone/>
+              <a:tabLst/>
+              <a:defRPr/>
+            </a:pPr>
+            <a:r>
+              <a:rPr lang="en-US" dirty="0" smtClean="0"/>
+              <a:t>--</a:t>
+            </a:r>
+            <a:r>
+              <a:rPr lang="en-US" dirty="0" err="1" smtClean="0"/>
+              <a:t>minaqual</a:t>
+            </a:r>
+            <a:r>
+              <a:rPr lang="en-US" dirty="0" smtClean="0"/>
+              <a:t> means we skip all reads with alignment quality lower than 1.</a:t>
+            </a:r>
+            <a:r>
+              <a:rPr lang="en-US" baseline="0" dirty="0" smtClean="0"/>
+              <a:t>  The default for this parameter is now 10.</a:t>
+            </a:r>
+            <a:endParaRPr lang="en-US" dirty="0" smtClean="0"/>
+          </a:p>
+          <a:p>
+            <a:endParaRPr lang="en-US" dirty="0"/>
+          </a:p>
+        </p:txBody>
+      </p:sp>
+      <p:sp>
+        <p:nvSpPr>
+          <p:cNvPr id="4" name="Slide Number Placeholder 3"/>
+          <p:cNvSpPr>
+            <a:spLocks noGrp="1"/>
+          </p:cNvSpPr>
+          <p:nvPr>
+            <p:ph type="sldNum" sz="quarter" idx="10"/>
+          </p:nvPr>
+        </p:nvSpPr>
+        <p:spPr/>
+        <p:txBody>
+          <a:bodyPr/>
+          <a:lstStyle/>
+          <a:p>
+            <a:fld id="{F9BF1BD6-11A6-594E-AFA1-283323A41F72}" type="slidenum">
+              <a:rPr lang="en-US" smtClean="0"/>
+              <a:pPr/>
+              <a:t>8</a:t>
+            </a:fld>
+            <a:endParaRPr lang="en-US"/>
+          </a:p>
+        </p:txBody>
+      </p:sp>
+    </p:spTree>
+    <p:extLst>
+      <p:ext uri="{BB962C8B-B14F-4D97-AF65-F5344CB8AC3E}">
+        <p14:creationId xmlns:p14="http://schemas.microsoft.com/office/powerpoint/2010/main" val="4147845087"/>
+      </p:ext>
+    </p:extLst>
+  </p:cSld>
+  <p:clrMapOvr>
+    <a:masterClrMapping/>
+  </p:clrMapOvr>
+</p:notes>
+</file>
+
+<file path=ppt/notesSlides/notesSlide3.xml><?xml version="1.0" encoding="utf-8"?>
+<p:notes xmlns:a="http://schemas.openxmlformats.org/drawingml/2006/main" xmlns:r="http://schemas.openxmlformats.org/officeDocument/2006/relationships" xmlns:p="http://schemas.openxmlformats.org/presentationml/2006/main">
+  <p:cSld>
+    <p:spTree>
+      <p:nvGrpSpPr>
+        <p:cNvPr id="1" name=""/>
+        <p:cNvGrpSpPr/>
+        <p:nvPr/>
+      </p:nvGrpSpPr>
+      <p:grpSpPr>
+        <a:xfrm>
+          <a:off x="0" y="0"/>
+          <a:ext cx="0" cy="0"/>
+          <a:chOff x="0" y="0"/>
+          <a:chExt cx="0" cy="0"/>
+        </a:xfrm>
+      </p:grpSpPr>
+      <p:sp>
+        <p:nvSpPr>
+          <p:cNvPr id="2" name="Slide Image Placeholder 1"/>
+          <p:cNvSpPr>
+            <a:spLocks noGrp="1" noRot="1" noChangeAspect="1"/>
+          </p:cNvSpPr>
+          <p:nvPr>
+            <p:ph type="sldImg"/>
+          </p:nvPr>
+        </p:nvSpPr>
+        <p:spPr/>
+      </p:sp>
+      <p:sp>
+        <p:nvSpPr>
+          <p:cNvPr id="3" name="Notes Placeholder 2"/>
+          <p:cNvSpPr>
+            <a:spLocks noGrp="1"/>
+          </p:cNvSpPr>
+          <p:nvPr>
+            <p:ph type="body" idx="1"/>
+          </p:nvPr>
+        </p:nvSpPr>
+        <p:spPr/>
+        <p:txBody>
+          <a:bodyPr/>
+          <a:lstStyle/>
+          <a:p>
+            <a:r>
+              <a:rPr lang="en-US" dirty="0" smtClean="0"/>
+              <a:t>-m &lt;mode&gt;, --mode=&lt;mode&gt;</a:t>
+            </a:r>
+          </a:p>
+          <a:p>
+            <a:endParaRPr lang="en-US" dirty="0" smtClean="0"/>
+          </a:p>
+          <a:p>
+            <a:r>
+              <a:rPr lang="en-US" dirty="0" smtClean="0"/>
+              <a:t>Mode to handle reads overlapping more than one feature. Possible values for &lt;mode&gt; are union, intersection-strict and intersection-nonempty (default: union)</a:t>
+            </a:r>
+          </a:p>
+          <a:p>
+            <a:endParaRPr lang="en-US" dirty="0"/>
+          </a:p>
+        </p:txBody>
+      </p:sp>
+      <p:sp>
+        <p:nvSpPr>
+          <p:cNvPr id="4" name="Slide Number Placeholder 3"/>
+          <p:cNvSpPr>
+            <a:spLocks noGrp="1"/>
+          </p:cNvSpPr>
+          <p:nvPr>
+            <p:ph type="sldNum" sz="quarter" idx="10"/>
+          </p:nvPr>
+        </p:nvSpPr>
+        <p:spPr/>
+        <p:txBody>
+          <a:bodyPr/>
+          <a:lstStyle/>
+          <a:p>
+            <a:fld id="{F9BF1BD6-11A6-594E-AFA1-283323A41F72}" type="slidenum">
+              <a:rPr lang="en-US" smtClean="0"/>
+              <a:pPr/>
+              <a:t>9</a:t>
+            </a:fld>
+            <a:endParaRPr lang="en-US"/>
+          </a:p>
+        </p:txBody>
+      </p:sp>
+    </p:spTree>
+    <p:extLst>
+      <p:ext uri="{BB962C8B-B14F-4D97-AF65-F5344CB8AC3E}">
+        <p14:creationId xmlns:p14="http://schemas.microsoft.com/office/powerpoint/2010/main" val="2114036569"/>
       </p:ext>
     </p:extLst>
   </p:cSld>
@@ -3156,11 +3378,18 @@
           <a:lstStyle/>
           <a:p>
             <a:r>
+              <a:rPr lang="en-US" dirty="0" smtClean="0">
+                <a:latin typeface="Calibri" charset="0"/>
+                <a:ea typeface="ＭＳ Ｐゴシック" charset="0"/>
+              </a:rPr>
+              <a:t>Differential </a:t>
+            </a:r>
+            <a:r>
               <a:rPr lang="en-US" dirty="0">
                 <a:latin typeface="Calibri" charset="0"/>
                 <a:ea typeface="ＭＳ Ｐゴシック" charset="0"/>
               </a:rPr>
-              <a:t>Alternative differential expression methods</a:t>
+              <a:t>expression methods</a:t>
             </a:r>
             <a:endParaRPr lang="en-US" dirty="0"/>
           </a:p>
@@ -3178,25 +3407,48 @@
         </p:nvSpPr>
         <p:spPr/>
         <p:txBody>
-          <a:bodyPr/>
+          <a:bodyPr>
+            <a:normAutofit lnSpcReduction="10000"/>
+          </a:bodyPr>
           <a:lstStyle/>
           <a:p>
             <a:r>
+              <a:rPr lang="en-US" dirty="0" smtClean="0">
+                <a:latin typeface="Calibri" charset="0"/>
+                <a:ea typeface="ＭＳ Ｐゴシック" charset="0"/>
+              </a:rPr>
+              <a:t>Raw </a:t>
+            </a:r>
+            <a:r>
               <a:rPr lang="en-US" dirty="0">
                 <a:latin typeface="Calibri" charset="0"/>
                 <a:ea typeface="ＭＳ Ｐゴシック" charset="0"/>
               </a:rPr>
-              <a:t>Raw count approaches</a:t>
+              <a:t>count </a:t>
+            </a:r>
+            <a:r>
+              <a:rPr lang="en-US" dirty="0" smtClean="0">
+                <a:latin typeface="Calibri" charset="0"/>
+                <a:ea typeface="ＭＳ Ｐゴシック" charset="0"/>
+              </a:rPr>
+              <a:t>approaches (gene level)</a:t>
             </a:r>
           </a:p>
           <a:p>
             <a:pPr lvl="1"/>
             <a:r>
+              <a:rPr lang="en-US" dirty="0" smtClean="0">
+                <a:latin typeface="Calibri" charset="0"/>
+                <a:ea typeface="ＭＳ Ｐゴシック" charset="0"/>
+              </a:rPr>
+              <a:t>DESeq2 </a:t>
+            </a:r>
+            <a:r>
               <a:rPr lang="en-US" dirty="0">
                 <a:latin typeface="Calibri" charset="0"/>
                 <a:ea typeface="ＭＳ Ｐゴシック" charset="0"/>
               </a:rPr>
-              <a:t>DESeq2 - </a:t>
+              <a:t>- </a:t>
             </a:r>
             <a:r>
               <a:rPr lang="en-US" dirty="0">
@@ -3213,19 +3465,33 @@
           </a:p>
           <a:p>
             <a:pPr lvl="1"/>
-            <a:r>
-              <a:rPr lang="en-US" dirty="0" err="1">
+            <a:endParaRPr lang="en-US" dirty="0" smtClean="0">
+              <a:latin typeface="Calibri" charset="0"/>
+              <a:ea typeface="ＭＳ Ｐゴシック" charset="0"/>
+            </a:endParaRPr>
+          </a:p>
+          <a:p>
+            <a:pPr lvl="1"/>
+            <a:r>
+              <a:rPr lang="en-US" dirty="0" err="1" smtClean="0">
                 <a:latin typeface="Calibri" charset="0"/>
                 <a:ea typeface="ＭＳ Ｐゴシック" charset="0"/>
               </a:rPr>
               <a:t>edgeR</a:t>
             </a:r>
             <a:r>
+              <a:rPr lang="en-US" dirty="0" smtClean="0">
+                <a:latin typeface="Calibri" charset="0"/>
+                <a:ea typeface="ＭＳ Ｐゴシック" charset="0"/>
+              </a:rPr>
+              <a:t> </a:t>
+            </a:r>
+            <a:r>
               <a:rPr lang="en-US" dirty="0">
                 <a:latin typeface="Calibri" charset="0"/>
                 <a:ea typeface="ＭＳ Ｐゴシック" charset="0"/>
               </a:rPr>
-              <a:t> - </a:t>
+              <a:t>- </a:t>
             </a:r>
             <a:r>
               <a:rPr lang="en-US" dirty="0">
@@ -3242,13 +3508,153 @@
           </a:p>
           <a:p>
             <a:pPr lvl="1"/>
+            <a:endParaRPr lang="en-US" dirty="0" smtClean="0">
+              <a:latin typeface="Calibri" charset="0"/>
+              <a:ea typeface="ＭＳ Ｐゴシック" charset="0"/>
+            </a:endParaRPr>
+          </a:p>
+          <a:p>
+            <a:pPr lvl="1"/>
+            <a:r>
+              <a:rPr lang="en-US" dirty="0" smtClean="0">
+                <a:latin typeface="Calibri" charset="0"/>
+                <a:ea typeface="ＭＳ Ｐゴシック" charset="0"/>
+              </a:rPr>
+              <a:t>Many others…</a:t>
+            </a:r>
+          </a:p>
+          <a:p>
+            <a:endParaRPr lang="en-US" dirty="0">
+              <a:latin typeface="Calibri" charset="0"/>
+              <a:ea typeface="ＭＳ Ｐゴシック" charset="0"/>
+            </a:endParaRPr>
+          </a:p>
+          <a:p>
             <a:r>
               <a:rPr lang="en-US" dirty="0">
                 <a:latin typeface="Calibri" charset="0"/>
                 <a:ea typeface="ＭＳ Ｐゴシック" charset="0"/>
               </a:rPr>
-              <a:t>Others…</a:t>
-            </a:r>
+              <a:t>FPKM approaches (for transcript level)</a:t>
+            </a:r>
+          </a:p>
+          <a:p>
+            <a:pPr lvl="1"/>
+            <a:r>
+              <a:rPr lang="en-US" dirty="0" err="1">
+                <a:latin typeface="Calibri" charset="0"/>
+                <a:ea typeface="ＭＳ Ｐゴシック" charset="0"/>
+              </a:rPr>
+              <a:t>Ballgown</a:t>
+            </a:r>
+            <a:r>
+              <a:rPr lang="en-US" dirty="0">
+                <a:latin typeface="Calibri" charset="0"/>
+                <a:ea typeface="ＭＳ Ｐゴシック" charset="0"/>
+              </a:rPr>
+              <a:t> - </a:t>
+            </a:r>
+            <a:r>
+              <a:rPr lang="en-US" dirty="0">
+                <a:latin typeface="Calibri" charset="0"/>
+                <a:ea typeface="ＭＳ Ｐゴシック" charset="0"/>
+                <a:hlinkClick r:id="rId4"/>
+              </a:rPr>
+              <a:t>https://www.bioconductor.org/packages/release/bioc/html/ballgown.html</a:t>
+            </a:r>
+            <a:r>
+              <a:rPr lang="en-US" dirty="0">
+                <a:latin typeface="Calibri" charset="0"/>
+                <a:ea typeface="ＭＳ Ｐゴシック" charset="0"/>
+              </a:rPr>
+              <a:t> </a:t>
+            </a:r>
+            <a:endParaRPr lang="en-US" dirty="0" smtClean="0">
+              <a:latin typeface="Calibri" charset="0"/>
+              <a:ea typeface="ＭＳ Ｐゴシック" charset="0"/>
+            </a:endParaRPr>
+          </a:p>
+          <a:p>
+            <a:pPr lvl="2"/>
+            <a:r>
+              <a:rPr lang="en-US" dirty="0" smtClean="0">
+                <a:latin typeface="Calibri" charset="0"/>
+                <a:ea typeface="ＭＳ Ｐゴシック" charset="0"/>
+              </a:rPr>
+              <a:t>Helpful explanation: </a:t>
+            </a:r>
+            <a:r>
+              <a:rPr lang="en-US" dirty="0" smtClean="0">
+                <a:latin typeface="Calibri" charset="0"/>
+                <a:ea typeface="ＭＳ Ｐゴシック" charset="0"/>
+                <a:hlinkClick r:id="rId5"/>
+              </a:rPr>
+              <a:t>https</a:t>
+            </a:r>
+            <a:r>
+              <a:rPr lang="en-US" dirty="0">
+                <a:latin typeface="Calibri" charset="0"/>
+                <a:ea typeface="ＭＳ Ｐゴシック" charset="0"/>
+                <a:hlinkClick r:id="rId5"/>
+              </a:rPr>
+              <a:t>://www.ncbi.nlm.nih.gov/pubmed/</a:t>
+            </a:r>
+            <a:r>
+              <a:rPr lang="en-US" dirty="0" smtClean="0">
+                <a:latin typeface="Calibri" charset="0"/>
+                <a:ea typeface="ＭＳ Ｐゴシック" charset="0"/>
+                <a:hlinkClick r:id="rId5"/>
+              </a:rPr>
+              <a:t>25748911</a:t>
+            </a:r>
+            <a:r>
+              <a:rPr lang="en-US" dirty="0" smtClean="0">
+                <a:latin typeface="Calibri" charset="0"/>
+                <a:ea typeface="ＭＳ Ｐゴシック" charset="0"/>
+              </a:rPr>
+              <a:t> </a:t>
+            </a:r>
+          </a:p>
+          <a:p>
+            <a:pPr lvl="1"/>
+            <a:r>
+              <a:rPr lang="en-US" dirty="0" smtClean="0">
+                <a:latin typeface="Calibri" charset="0"/>
+                <a:ea typeface="ＭＳ Ｐゴシック" charset="0"/>
+              </a:rPr>
+              <a:t>Many others (</a:t>
+            </a:r>
+            <a:r>
+              <a:rPr lang="en-US" dirty="0" err="1" smtClean="0">
+                <a:latin typeface="Calibri" charset="0"/>
+                <a:ea typeface="ＭＳ Ｐゴシック" charset="0"/>
+              </a:rPr>
+              <a:t>EBSeq</a:t>
+            </a:r>
+            <a:r>
+              <a:rPr lang="en-US" dirty="0" smtClean="0">
+                <a:latin typeface="Calibri" charset="0"/>
+                <a:ea typeface="ＭＳ Ｐゴシック" charset="0"/>
+              </a:rPr>
+              <a:t>, etc.)</a:t>
+            </a:r>
+            <a:endParaRPr lang="en-US" dirty="0">
+              <a:latin typeface="Calibri" charset="0"/>
+              <a:ea typeface="ＭＳ Ｐゴシック" charset="0"/>
+            </a:endParaRPr>
+          </a:p>
+          <a:p>
+            <a:pPr lvl="1"/>
+            <a:endParaRPr lang="en-US" dirty="0">
+              <a:latin typeface="Calibri" charset="0"/>
+              <a:ea typeface="ＭＳ Ｐゴシック" charset="0"/>
+            </a:endParaRPr>
+          </a:p>
+          <a:p>
+            <a:pPr marL="0" indent="0">
+              <a:buNone/>
+            </a:pPr>
+            <a:endParaRPr lang="en-US" dirty="0" smtClean="0"/>
           </a:p>
           <a:p>
             <a:pPr marL="0" indent="0">
@@ -3544,6 +3950,87 @@
     <p:extLst>
       <p:ext uri="{BB962C8B-B14F-4D97-AF65-F5344CB8AC3E}">
         <p14:creationId xmlns:p14="http://schemas.microsoft.com/office/powerpoint/2010/main" val="1401429776"/>
+      </p:ext>
+    </p:extLst>
+  </p:cSld>
+  <p:clrMapOvr>
+    <a:masterClrMapping/>
+  </p:clrMapOvr>
+</p:sld>
+</file>
+
+<file path=ppt/slides/slide13.xml><?xml version="1.0" encoding="utf-8"?>
+<p:sld xmlns:a="http://schemas.openxmlformats.org/drawingml/2006/main" xmlns:r="http://schemas.openxmlformats.org/officeDocument/2006/relationships" xmlns:p="http://schemas.openxmlformats.org/presentationml/2006/main">
+  <p:cSld>
+    <p:spTree>
+      <p:nvGrpSpPr>
+        <p:cNvPr id="1" name=""/>
+        <p:cNvGrpSpPr/>
+        <p:nvPr/>
+      </p:nvGrpSpPr>
+      <p:grpSpPr>
+        <a:xfrm>
+          <a:off x="0" y="0"/>
+          <a:ext cx="0" cy="0"/>
+          <a:chOff x="0" y="0"/>
+          <a:chExt cx="0" cy="0"/>
+        </a:xfrm>
+      </p:grpSpPr>
+      <p:sp>
+        <p:nvSpPr>
+          <p:cNvPr id="3" name="Content Placeholder 2"/>
+          <p:cNvSpPr>
+            <a:spLocks noGrp="1"/>
+          </p:cNvSpPr>
+          <p:nvPr>
+            <p:ph idx="1"/>
+          </p:nvPr>
+        </p:nvSpPr>
+        <p:spPr/>
+        <p:txBody>
+          <a:bodyPr/>
+          <a:lstStyle/>
+          <a:p>
+            <a:endParaRPr lang="en-US" dirty="0" smtClean="0"/>
+          </a:p>
+          <a:p>
+            <a:endParaRPr lang="en-US" dirty="0"/>
+          </a:p>
+          <a:p>
+            <a:endParaRPr lang="en-US" dirty="0" smtClean="0"/>
+          </a:p>
+          <a:p>
+            <a:endParaRPr lang="en-US" dirty="0"/>
+          </a:p>
+          <a:p>
+            <a:endParaRPr lang="en-US" dirty="0" smtClean="0"/>
+          </a:p>
+          <a:p>
+            <a:pPr marL="0" indent="0" algn="ctr">
+              <a:buNone/>
+            </a:pPr>
+            <a:r>
+              <a:rPr lang="en-US" dirty="0" smtClean="0"/>
+              <a:t>Refer to </a:t>
+            </a:r>
+            <a:r>
+              <a:rPr lang="en-US" dirty="0" smtClean="0">
+                <a:hlinkClick r:id="rId2"/>
+              </a:rPr>
+              <a:t>www.rnaseq.wiki</a:t>
+            </a:r>
+            <a:r>
+              <a:rPr lang="en-US" dirty="0" smtClean="0"/>
+              <a:t> for many, many more details, resources and exercises</a:t>
+            </a:r>
+            <a:endParaRPr lang="en-US" dirty="0"/>
+          </a:p>
+        </p:txBody>
+      </p:sp>
+    </p:spTree>
+    <p:extLst>
+      <p:ext uri="{BB962C8B-B14F-4D97-AF65-F5344CB8AC3E}">
+        <p14:creationId xmlns:p14="http://schemas.microsoft.com/office/powerpoint/2010/main" val="1356381652"/>
       </p:ext>
     </p:extLst>
   </p:cSld>
@@ -4046,7 +4533,7 @@
             <p:ph idx="1"/>
           </p:nvPr>
         </p:nvPicPr>
-        <p:blipFill>
+        <p:blipFill rotWithShape="1">
           <a:blip r:embed="rId2" cstate="print">
             <a:extLst>
               <a:ext uri="{28A0092B-C50C-407E-A947-70E740481C1C}">
@@ -4054,12 +4541,14 @@
               </a:ext>
             </a:extLst>
           </a:blip>
-          <a:srcRect l="-55440" r="-55440"/>
-          <a:stretch>
-            <a:fillRect/>
-          </a:stretch>
+          <a:srcRect l="-1741" r="-2820"/>
+          <a:stretch/>
         </p:blipFill>
         <p:spPr>
+          <a:xfrm>
+            <a:off x="2279389" y="950880"/>
+            <a:ext cx="4754144" cy="5685360"/>
+          </a:xfrm>
           <a:prstGeom prst="rect">
             <a:avLst/>
           </a:prstGeom>
@@ -4075,6 +4564,13 @@
   <p:clrMapOvr>
     <a:masterClrMapping/>
   </p:clrMapOvr>
+  <p:timing>
+    <p:tnLst>
+      <p:par>
+        <p:cTn xmlns:p14="http://schemas.microsoft.com/office/powerpoint/2010/main" id="1" dur="indefinite" restart="never" nodeType="tmRoot"/>
+      </p:par>
+    </p:tnLst>
+  </p:timing>
 </p:sld>
 </file>
 
@@ -4154,6 +4650,13 @@
   <p:clrMapOvr>
     <a:masterClrMapping/>
   </p:clrMapOvr>
+  <p:timing>
+    <p:tnLst>
+      <p:par>
+        <p:cTn xmlns:p14="http://schemas.microsoft.com/office/powerpoint/2010/main" id="1" dur="indefinite" restart="never" nodeType="tmRoot"/>
+      </p:par>
+    </p:tnLst>
+  </p:timing>
 </p:sld>
 </file>
 
@@ -4519,11 +5022,7 @@
           <a:p>
             <a:r>
               <a:rPr lang="en-US" dirty="0" smtClean="0"/>
-              <a:t>What are raw </a:t>
-            </a:r>
-            <a:r>
-              <a:rPr lang="en-US" dirty="0" smtClean="0"/>
-              <a:t>counts?</a:t>
+              <a:t>What are raw counts?</a:t>
             </a:r>
             <a:endParaRPr lang="en-US" dirty="0"/>
           </a:p>
@@ -4608,7 +5107,7 @@
               <a:rPr lang="en-US" dirty="0">
                 <a:latin typeface="Calibri" charset="0"/>
                 <a:ea typeface="ＭＳ Ｐゴシック" charset="0"/>
-                <a:hlinkClick r:id="rId2"/>
+                <a:hlinkClick r:id="rId3"/>
               </a:rPr>
               <a:t>http://www-huber.embl.de/users/anders/HTSeq/doc/count.html</a:t>
             </a:r>
@@ -4731,7 +5230,7 @@
               <a:rPr lang="en-US" dirty="0">
                 <a:latin typeface="Calibri" charset="0"/>
                 <a:ea typeface="ＭＳ Ｐゴシック" charset="0"/>
-                <a:hlinkClick r:id="rId3"/>
+                <a:hlinkClick r:id="rId4"/>
               </a:rPr>
               <a:t>http://seqanswers.com/forums/showthread.php?t=18068</a:t>
             </a:r>
@@ -4814,7 +5313,7 @@
           </p:nvPr>
         </p:nvPicPr>
         <p:blipFill>
-          <a:blip r:embed="rId2"/>
+          <a:blip r:embed="rId3"/>
           <a:srcRect l="-25742" r="-25742"/>
           <a:stretch>
             <a:fillRect/>
@@ -5130,7 +5629,7 @@
   <a:extraClrSchemeLst/>
   <a:extLst>
     <a:ext uri="{05A4C25C-085E-4340-85A3-A5531E510DB2}">
-      <thm15:themeFamily xmlns="" xmlns:thm15="http://schemas.microsoft.com/office/thememl/2012/main" name="MGI_4-3_ratio_v1a" id="{9A0171FA-20F4-F840-B1C8-29D686AB0540}" vid="{60506783-C923-7847-B1CA-7C860CC95497}"/>
+      <thm15:themeFamily xmlns:thm15="http://schemas.microsoft.com/office/thememl/2012/main" xmlns="" name="MGI_4-3_ratio_v1a" id="{9A0171FA-20F4-F840-B1C8-29D686AB0540}" vid="{60506783-C923-7847-B1CA-7C860CC95497}"/>
     </a:ext>
   </a:extLst>
 </a:theme>

--- a/GenViz_Module4_Lecture.pptx
+++ b/GenViz_Module4_Lecture.pptx
@@ -5,10 +5,10 @@
     <p:sldMasterId id="2147483648" r:id="rId1"/>
   </p:sldMasterIdLst>
   <p:notesMasterIdLst>
-    <p:notesMasterId r:id="rId15"/>
+    <p:notesMasterId r:id="rId16"/>
   </p:notesMasterIdLst>
   <p:handoutMasterIdLst>
-    <p:handoutMasterId r:id="rId16"/>
+    <p:handoutMasterId r:id="rId17"/>
   </p:handoutMasterIdLst>
   <p:sldIdLst>
     <p:sldId id="256" r:id="rId2"/>
@@ -17,13 +17,14 @@
     <p:sldId id="257" r:id="rId5"/>
     <p:sldId id="269" r:id="rId6"/>
     <p:sldId id="265" r:id="rId7"/>
-    <p:sldId id="266" r:id="rId8"/>
-    <p:sldId id="267" r:id="rId9"/>
-    <p:sldId id="261" r:id="rId10"/>
-    <p:sldId id="262" r:id="rId11"/>
-    <p:sldId id="268" r:id="rId12"/>
-    <p:sldId id="263" r:id="rId13"/>
-    <p:sldId id="270" r:id="rId14"/>
+    <p:sldId id="271" r:id="rId8"/>
+    <p:sldId id="266" r:id="rId9"/>
+    <p:sldId id="267" r:id="rId10"/>
+    <p:sldId id="261" r:id="rId11"/>
+    <p:sldId id="262" r:id="rId12"/>
+    <p:sldId id="268" r:id="rId13"/>
+    <p:sldId id="263" r:id="rId14"/>
+    <p:sldId id="270" r:id="rId15"/>
   </p:sldIdLst>
   <p:sldSz cx="9144000" cy="6858000" type="screen4x3"/>
   <p:notesSz cx="6858000" cy="9144000"/>
@@ -124,7 +125,7 @@
   </p:defaultTextStyle>
   <p:extLst>
     <p:ext uri="{EFAFB233-063F-42B5-8137-9DF3F51BA10A}">
-      <p15:sldGuideLst xmlns:p15="http://schemas.microsoft.com/office/powerpoint/2012/main" xmlns="">
+      <p15:sldGuideLst xmlns="" xmlns:p15="http://schemas.microsoft.com/office/powerpoint/2012/main">
         <p15:guide id="1" orient="horz" pos="2160">
           <p15:clr>
             <a:srgbClr val="A4A3A4"/>
@@ -913,7 +914,7 @@
             <a:fld id="{F9BF1BD6-11A6-594E-AFA1-283323A41F72}" type="slidenum">
               <a:rPr lang="en-US" smtClean="0"/>
               <a:pPr/>
-              <a:t>8</a:t>
+              <a:t>9</a:t>
             </a:fld>
             <a:endParaRPr lang="en-US"/>
           </a:p>
@@ -1013,7 +1014,7 @@
             <a:fld id="{F9BF1BD6-11A6-594E-AFA1-283323A41F72}" type="slidenum">
               <a:rPr lang="en-US" smtClean="0"/>
               <a:pPr/>
-              <a:t>9</a:t>
+              <a:t>10</a:t>
             </a:fld>
             <a:endParaRPr lang="en-US"/>
           </a:p>
@@ -3374,300 +3375,79 @@
         </p:nvSpPr>
         <p:spPr/>
         <p:txBody>
-          <a:bodyPr/>
-          <a:lstStyle/>
-          <a:p>
-            <a:r>
-              <a:rPr lang="en-US" dirty="0" smtClean="0">
-                <a:latin typeface="Calibri" charset="0"/>
-                <a:ea typeface="ＭＳ Ｐゴシック" charset="0"/>
-              </a:rPr>
-              <a:t>Differential </a:t>
-            </a:r>
-            <a:r>
-              <a:rPr lang="en-US" dirty="0">
-                <a:latin typeface="Calibri" charset="0"/>
-                <a:ea typeface="ＭＳ Ｐゴシック" charset="0"/>
-              </a:rPr>
-              <a:t>expression methods</a:t>
-            </a:r>
-            <a:endParaRPr lang="en-US" dirty="0"/>
-          </a:p>
-        </p:txBody>
-      </p:sp>
-      <p:sp>
-        <p:nvSpPr>
-          <p:cNvPr id="3" name="Content Placeholder 2"/>
-          <p:cNvSpPr>
-            <a:spLocks noGrp="1"/>
-          </p:cNvSpPr>
-          <p:nvPr>
-            <p:ph idx="1"/>
-          </p:nvPr>
-        </p:nvSpPr>
-        <p:spPr/>
-        <p:txBody>
           <a:bodyPr>
-            <a:normAutofit lnSpcReduction="10000"/>
+            <a:normAutofit fontScale="90000"/>
           </a:bodyPr>
           <a:lstStyle/>
           <a:p>
             <a:r>
-              <a:rPr lang="en-US" dirty="0" smtClean="0">
-                <a:latin typeface="Calibri" charset="0"/>
-                <a:ea typeface="ＭＳ Ｐゴシック" charset="0"/>
-              </a:rPr>
-              <a:t>Raw </a:t>
-            </a:r>
-            <a:r>
-              <a:rPr lang="en-US" dirty="0">
-                <a:latin typeface="Calibri" charset="0"/>
-                <a:ea typeface="ＭＳ Ｐゴシック" charset="0"/>
-              </a:rPr>
-              <a:t>count </a:t>
-            </a:r>
-            <a:r>
-              <a:rPr lang="en-US" dirty="0" smtClean="0">
-                <a:latin typeface="Calibri" charset="0"/>
-                <a:ea typeface="ＭＳ Ｐゴシック" charset="0"/>
-              </a:rPr>
-              <a:t>approaches (gene level)</a:t>
-            </a:r>
-          </a:p>
-          <a:p>
-            <a:pPr lvl="1"/>
-            <a:r>
-              <a:rPr lang="en-US" dirty="0" smtClean="0">
-                <a:latin typeface="Calibri" charset="0"/>
-                <a:ea typeface="ＭＳ Ｐゴシック" charset="0"/>
-              </a:rPr>
-              <a:t>DESeq2 </a:t>
-            </a:r>
-            <a:r>
-              <a:rPr lang="en-US" dirty="0">
-                <a:latin typeface="Calibri" charset="0"/>
-                <a:ea typeface="ＭＳ Ｐゴシック" charset="0"/>
-              </a:rPr>
-              <a:t>- </a:t>
-            </a:r>
-            <a:r>
-              <a:rPr lang="en-US" dirty="0">
-                <a:latin typeface="Calibri" charset="0"/>
-                <a:ea typeface="ＭＳ Ｐゴシック" charset="0"/>
-                <a:hlinkClick r:id="rId2"/>
-              </a:rPr>
-              <a:t>http://www-huber.embl.de/users/anders/DESeq/</a:t>
-            </a:r>
-            <a:endParaRPr lang="en-US" dirty="0">
-              <a:latin typeface="Calibri" charset="0"/>
-              <a:ea typeface="ＭＳ Ｐゴシック" charset="0"/>
-            </a:endParaRPr>
-          </a:p>
-          <a:p>
-            <a:pPr lvl="1"/>
-            <a:endParaRPr lang="en-US" dirty="0" smtClean="0">
-              <a:latin typeface="Calibri" charset="0"/>
-              <a:ea typeface="ＭＳ Ｐゴシック" charset="0"/>
-            </a:endParaRPr>
-          </a:p>
-          <a:p>
-            <a:pPr lvl="1"/>
-            <a:r>
-              <a:rPr lang="en-US" dirty="0" err="1" smtClean="0">
-                <a:latin typeface="Calibri" charset="0"/>
-                <a:ea typeface="ＭＳ Ｐゴシック" charset="0"/>
-              </a:rPr>
-              <a:t>edgeR</a:t>
-            </a:r>
-            <a:r>
-              <a:rPr lang="en-US" dirty="0" smtClean="0">
-                <a:latin typeface="Calibri" charset="0"/>
-                <a:ea typeface="ＭＳ Ｐゴシック" charset="0"/>
-              </a:rPr>
-              <a:t> </a:t>
-            </a:r>
-            <a:r>
-              <a:rPr lang="en-US" dirty="0">
-                <a:latin typeface="Calibri" charset="0"/>
-                <a:ea typeface="ＭＳ Ｐゴシック" charset="0"/>
-              </a:rPr>
-              <a:t>- </a:t>
-            </a:r>
-            <a:r>
-              <a:rPr lang="en-US" dirty="0">
-                <a:latin typeface="Calibri" charset="0"/>
-                <a:ea typeface="ＭＳ Ｐゴシック" charset="0"/>
-                <a:hlinkClick r:id="rId3"/>
-              </a:rPr>
-              <a:t>http://www.bioconductor.org/packages/release/bioc/html/edgeR.html</a:t>
-            </a:r>
-            <a:endParaRPr lang="en-US" dirty="0">
-              <a:latin typeface="Calibri" charset="0"/>
-              <a:ea typeface="ＭＳ Ｐゴシック" charset="0"/>
-            </a:endParaRPr>
-          </a:p>
-          <a:p>
-            <a:pPr lvl="1"/>
-            <a:endParaRPr lang="en-US" dirty="0" smtClean="0">
-              <a:latin typeface="Calibri" charset="0"/>
-              <a:ea typeface="ＭＳ Ｐゴシック" charset="0"/>
-            </a:endParaRPr>
-          </a:p>
-          <a:p>
-            <a:pPr lvl="1"/>
-            <a:r>
-              <a:rPr lang="en-US" dirty="0" smtClean="0">
-                <a:latin typeface="Calibri" charset="0"/>
-                <a:ea typeface="ＭＳ Ｐゴシック" charset="0"/>
-              </a:rPr>
-              <a:t>Many others…</a:t>
-            </a:r>
-          </a:p>
-          <a:p>
-            <a:endParaRPr lang="en-US" dirty="0">
-              <a:latin typeface="Calibri" charset="0"/>
-              <a:ea typeface="ＭＳ Ｐゴシック" charset="0"/>
-            </a:endParaRPr>
-          </a:p>
-          <a:p>
-            <a:r>
-              <a:rPr lang="en-US" dirty="0">
-                <a:latin typeface="Calibri" charset="0"/>
-                <a:ea typeface="ＭＳ Ｐゴシック" charset="0"/>
-              </a:rPr>
-              <a:t>FPKM approaches (for transcript level)</a:t>
-            </a:r>
-          </a:p>
-          <a:p>
-            <a:pPr lvl="1"/>
-            <a:r>
-              <a:rPr lang="en-US" dirty="0" err="1">
-                <a:latin typeface="Calibri" charset="0"/>
-                <a:ea typeface="ＭＳ Ｐゴシック" charset="0"/>
-              </a:rPr>
-              <a:t>Ballgown</a:t>
-            </a:r>
-            <a:r>
-              <a:rPr lang="en-US" dirty="0">
-                <a:latin typeface="Calibri" charset="0"/>
-                <a:ea typeface="ＭＳ Ｐゴシック" charset="0"/>
-              </a:rPr>
-              <a:t> - </a:t>
-            </a:r>
-            <a:r>
-              <a:rPr lang="en-US" dirty="0">
-                <a:latin typeface="Calibri" charset="0"/>
-                <a:ea typeface="ＭＳ Ｐゴシック" charset="0"/>
-                <a:hlinkClick r:id="rId4"/>
-              </a:rPr>
-              <a:t>https://www.bioconductor.org/packages/release/bioc/html/ballgown.html</a:t>
-            </a:r>
-            <a:r>
-              <a:rPr lang="en-US" dirty="0">
-                <a:latin typeface="Calibri" charset="0"/>
-                <a:ea typeface="ＭＳ Ｐゴシック" charset="0"/>
-              </a:rPr>
-              <a:t> </a:t>
-            </a:r>
-            <a:endParaRPr lang="en-US" dirty="0" smtClean="0">
-              <a:latin typeface="Calibri" charset="0"/>
-              <a:ea typeface="ＭＳ Ｐゴシック" charset="0"/>
-            </a:endParaRPr>
-          </a:p>
-          <a:p>
-            <a:pPr lvl="2"/>
-            <a:r>
-              <a:rPr lang="en-US" dirty="0" smtClean="0">
-                <a:latin typeface="Calibri" charset="0"/>
-                <a:ea typeface="ＭＳ Ｐゴシック" charset="0"/>
-              </a:rPr>
-              <a:t>Helpful explanation: </a:t>
-            </a:r>
-            <a:r>
-              <a:rPr lang="en-US" dirty="0" smtClean="0">
-                <a:latin typeface="Calibri" charset="0"/>
-                <a:ea typeface="ＭＳ Ｐゴシック" charset="0"/>
-                <a:hlinkClick r:id="rId5"/>
-              </a:rPr>
-              <a:t>https</a:t>
-            </a:r>
-            <a:r>
-              <a:rPr lang="en-US" dirty="0">
-                <a:latin typeface="Calibri" charset="0"/>
-                <a:ea typeface="ＭＳ Ｐゴシック" charset="0"/>
-                <a:hlinkClick r:id="rId5"/>
-              </a:rPr>
-              <a:t>://www.ncbi.nlm.nih.gov/pubmed/</a:t>
-            </a:r>
-            <a:r>
-              <a:rPr lang="en-US" dirty="0" smtClean="0">
-                <a:latin typeface="Calibri" charset="0"/>
-                <a:ea typeface="ＭＳ Ｐゴシック" charset="0"/>
-                <a:hlinkClick r:id="rId5"/>
-              </a:rPr>
-              <a:t>25748911</a:t>
-            </a:r>
-            <a:r>
-              <a:rPr lang="en-US" dirty="0" smtClean="0">
-                <a:latin typeface="Calibri" charset="0"/>
-                <a:ea typeface="ＭＳ Ｐゴシック" charset="0"/>
-              </a:rPr>
-              <a:t> </a:t>
-            </a:r>
-          </a:p>
-          <a:p>
-            <a:pPr lvl="1"/>
-            <a:r>
-              <a:rPr lang="en-US" dirty="0" smtClean="0">
-                <a:latin typeface="Calibri" charset="0"/>
-                <a:ea typeface="ＭＳ Ｐゴシック" charset="0"/>
-              </a:rPr>
-              <a:t>Many others (</a:t>
-            </a:r>
-            <a:r>
-              <a:rPr lang="en-US" dirty="0" err="1" smtClean="0">
-                <a:latin typeface="Calibri" charset="0"/>
-                <a:ea typeface="ＭＳ Ｐゴシック" charset="0"/>
-              </a:rPr>
-              <a:t>EBSeq</a:t>
-            </a:r>
-            <a:r>
-              <a:rPr lang="en-US" dirty="0" smtClean="0">
-                <a:latin typeface="Calibri" charset="0"/>
-                <a:ea typeface="ＭＳ Ｐゴシック" charset="0"/>
-              </a:rPr>
-              <a:t>, etc.)</a:t>
-            </a:r>
-            <a:endParaRPr lang="en-US" dirty="0">
-              <a:latin typeface="Calibri" charset="0"/>
-              <a:ea typeface="ＭＳ Ｐゴシック" charset="0"/>
-            </a:endParaRPr>
-          </a:p>
-          <a:p>
-            <a:pPr lvl="1"/>
-            <a:endParaRPr lang="en-US" dirty="0">
-              <a:latin typeface="Calibri" charset="0"/>
-              <a:ea typeface="ＭＳ Ｐゴシック" charset="0"/>
-            </a:endParaRPr>
-          </a:p>
-          <a:p>
-            <a:pPr marL="0" indent="0">
-              <a:buNone/>
-            </a:pPr>
-            <a:endParaRPr lang="en-US" dirty="0" smtClean="0"/>
-          </a:p>
-          <a:p>
-            <a:pPr marL="0" indent="0">
-              <a:buNone/>
-            </a:pPr>
-            <a:endParaRPr lang="en-US" dirty="0"/>
+              <a:rPr lang="en-US" dirty="0" err="1"/>
+              <a:t>HTSeq</a:t>
+            </a:r>
+            <a:r>
+              <a:rPr lang="en-US" dirty="0"/>
+              <a:t>-count basically counts reads supporting a feature (exon, gene) by assessing overlapping coordinates</a:t>
+            </a:r>
+          </a:p>
+        </p:txBody>
+      </p:sp>
+      <p:pic>
+        <p:nvPicPr>
+          <p:cNvPr id="4" name="Content Placeholder 3"/>
+          <p:cNvPicPr>
+            <a:picLocks noGrp="1" noChangeAspect="1"/>
+          </p:cNvPicPr>
+          <p:nvPr>
+            <p:ph idx="1"/>
+          </p:nvPr>
+        </p:nvPicPr>
+        <p:blipFill>
+          <a:blip r:embed="rId3"/>
+          <a:srcRect l="-25742" r="-25742"/>
+          <a:stretch>
+            <a:fillRect/>
+          </a:stretch>
+        </p:blipFill>
+        <p:spPr>
+          <a:prstGeom prst="rect">
+            <a:avLst/>
+          </a:prstGeom>
+        </p:spPr>
+      </p:pic>
+      <p:sp>
+        <p:nvSpPr>
+          <p:cNvPr id="5" name="TextBox 4"/>
+          <p:cNvSpPr txBox="1"/>
+          <p:nvPr/>
+        </p:nvSpPr>
+        <p:spPr>
+          <a:xfrm>
+            <a:off x="0" y="6212787"/>
+            <a:ext cx="8566566" cy="646331"/>
+          </a:xfrm>
+          <a:prstGeom prst="rect">
+            <a:avLst/>
+          </a:prstGeom>
+          <a:noFill/>
+        </p:spPr>
+        <p:txBody>
+          <a:bodyPr wrap="square" rtlCol="0">
+            <a:spAutoFit/>
+          </a:bodyPr>
+          <a:lstStyle/>
+          <a:p>
+            <a:r>
+              <a:rPr lang="en-US" sz="1800" dirty="0" smtClean="0"/>
+              <a:t>Whether a read is counted depends on the nature of overlap and “mode” selected</a:t>
+            </a:r>
+            <a:endParaRPr lang="en-US" sz="1800" dirty="0"/>
           </a:p>
         </p:txBody>
       </p:sp>
     </p:spTree>
     <p:extLst>
       <p:ext uri="{BB962C8B-B14F-4D97-AF65-F5344CB8AC3E}">
-        <p14:creationId xmlns:p14="http://schemas.microsoft.com/office/powerpoint/2010/main" val="1334736204"/>
+        <p14:creationId xmlns:p14="http://schemas.microsoft.com/office/powerpoint/2010/main" val="1646574095"/>
       </p:ext>
     </p:extLst>
   </p:cSld>
@@ -3710,6 +3490,330 @@
           <a:lstStyle/>
           <a:p>
             <a:r>
+              <a:rPr lang="en-US" dirty="0" smtClean="0">
+                <a:latin typeface="Calibri" charset="0"/>
+                <a:ea typeface="ＭＳ Ｐゴシック" charset="0"/>
+              </a:rPr>
+              <a:t>Differential </a:t>
+            </a:r>
+            <a:r>
+              <a:rPr lang="en-US" dirty="0">
+                <a:latin typeface="Calibri" charset="0"/>
+                <a:ea typeface="ＭＳ Ｐゴシック" charset="0"/>
+              </a:rPr>
+              <a:t>expression methods</a:t>
+            </a:r>
+            <a:endParaRPr lang="en-US" dirty="0"/>
+          </a:p>
+        </p:txBody>
+      </p:sp>
+      <p:sp>
+        <p:nvSpPr>
+          <p:cNvPr id="3" name="Content Placeholder 2"/>
+          <p:cNvSpPr>
+            <a:spLocks noGrp="1"/>
+          </p:cNvSpPr>
+          <p:nvPr>
+            <p:ph idx="1"/>
+          </p:nvPr>
+        </p:nvSpPr>
+        <p:spPr/>
+        <p:txBody>
+          <a:bodyPr>
+            <a:normAutofit lnSpcReduction="10000"/>
+          </a:bodyPr>
+          <a:lstStyle/>
+          <a:p>
+            <a:r>
+              <a:rPr lang="en-US" dirty="0" smtClean="0">
+                <a:latin typeface="Calibri" charset="0"/>
+                <a:ea typeface="ＭＳ Ｐゴシック" charset="0"/>
+              </a:rPr>
+              <a:t>Raw </a:t>
+            </a:r>
+            <a:r>
+              <a:rPr lang="en-US" dirty="0">
+                <a:latin typeface="Calibri" charset="0"/>
+                <a:ea typeface="ＭＳ Ｐゴシック" charset="0"/>
+              </a:rPr>
+              <a:t>count </a:t>
+            </a:r>
+            <a:r>
+              <a:rPr lang="en-US" dirty="0" smtClean="0">
+                <a:latin typeface="Calibri" charset="0"/>
+                <a:ea typeface="ＭＳ Ｐゴシック" charset="0"/>
+              </a:rPr>
+              <a:t>approaches (gene level)</a:t>
+            </a:r>
+          </a:p>
+          <a:p>
+            <a:pPr lvl="1"/>
+            <a:r>
+              <a:rPr lang="en-US" dirty="0" smtClean="0">
+                <a:latin typeface="Calibri" charset="0"/>
+                <a:ea typeface="ＭＳ Ｐゴシック" charset="0"/>
+                <a:hlinkClick r:id="rId2"/>
+              </a:rPr>
+              <a:t>DESeq2</a:t>
+            </a:r>
+            <a:endParaRPr lang="en-US" dirty="0">
+              <a:latin typeface="Calibri" charset="0"/>
+              <a:ea typeface="ＭＳ Ｐゴシック" charset="0"/>
+            </a:endParaRPr>
+          </a:p>
+          <a:p>
+            <a:pPr lvl="1"/>
+            <a:endParaRPr lang="en-US" dirty="0" smtClean="0">
+              <a:latin typeface="Calibri" charset="0"/>
+              <a:ea typeface="ＭＳ Ｐゴシック" charset="0"/>
+            </a:endParaRPr>
+          </a:p>
+          <a:p>
+            <a:pPr lvl="1"/>
+            <a:r>
+              <a:rPr lang="en-US" dirty="0" smtClean="0">
+                <a:latin typeface="Calibri" charset="0"/>
+                <a:ea typeface="ＭＳ Ｐゴシック" charset="0"/>
+                <a:hlinkClick r:id="rId3"/>
+              </a:rPr>
+              <a:t>edgeR</a:t>
+            </a:r>
+            <a:endParaRPr lang="en-US" dirty="0" smtClean="0">
+              <a:latin typeface="Calibri" charset="0"/>
+              <a:ea typeface="ＭＳ Ｐゴシック" charset="0"/>
+            </a:endParaRPr>
+          </a:p>
+          <a:p>
+            <a:pPr lvl="1"/>
+            <a:endParaRPr lang="en-US" dirty="0" smtClean="0">
+              <a:latin typeface="Calibri" charset="0"/>
+              <a:ea typeface="ＭＳ Ｐゴシック" charset="0"/>
+            </a:endParaRPr>
+          </a:p>
+          <a:p>
+            <a:pPr lvl="1"/>
+            <a:r>
+              <a:rPr lang="en-US" dirty="0" smtClean="0">
+                <a:latin typeface="Calibri" charset="0"/>
+                <a:ea typeface="ＭＳ Ｐゴシック" charset="0"/>
+              </a:rPr>
+              <a:t>Many others…</a:t>
+            </a:r>
+          </a:p>
+          <a:p>
+            <a:endParaRPr lang="en-US" dirty="0">
+              <a:latin typeface="Calibri" charset="0"/>
+              <a:ea typeface="ＭＳ Ｐゴシック" charset="0"/>
+            </a:endParaRPr>
+          </a:p>
+          <a:p>
+            <a:r>
+              <a:rPr lang="en-US" dirty="0">
+                <a:latin typeface="Calibri" charset="0"/>
+                <a:ea typeface="ＭＳ Ｐゴシック" charset="0"/>
+              </a:rPr>
+              <a:t>FPKM approaches (for transcript level)</a:t>
+            </a:r>
+          </a:p>
+          <a:p>
+            <a:pPr lvl="1"/>
+            <a:r>
+              <a:rPr lang="en-US" dirty="0" err="1" smtClean="0">
+                <a:latin typeface="Calibri" charset="0"/>
+                <a:ea typeface="ＭＳ Ｐゴシック" charset="0"/>
+                <a:hlinkClick r:id="rId4"/>
+              </a:rPr>
+              <a:t>Ballgown</a:t>
+            </a:r>
+            <a:endParaRPr lang="en-US" dirty="0" smtClean="0">
+              <a:latin typeface="Calibri" charset="0"/>
+              <a:ea typeface="ＭＳ Ｐゴシック" charset="0"/>
+            </a:endParaRPr>
+          </a:p>
+          <a:p>
+            <a:pPr lvl="2"/>
+            <a:r>
+              <a:rPr lang="en-US" dirty="0" smtClean="0">
+                <a:latin typeface="Calibri" charset="0"/>
+                <a:ea typeface="ＭＳ Ｐゴシック" charset="0"/>
+              </a:rPr>
+              <a:t>Helpful explanation (</a:t>
+            </a:r>
+            <a:r>
+              <a:rPr lang="en-US" dirty="0" smtClean="0">
+                <a:latin typeface="Calibri" charset="0"/>
+                <a:ea typeface="ＭＳ Ｐゴシック" charset="0"/>
+                <a:hlinkClick r:id="rId5"/>
+              </a:rPr>
+              <a:t>PMID: </a:t>
+            </a:r>
+            <a:r>
+              <a:rPr lang="cs-CZ" dirty="0">
+                <a:latin typeface="Calibri" charset="0"/>
+                <a:ea typeface="ＭＳ Ｐゴシック" charset="0"/>
+                <a:hlinkClick r:id="rId5"/>
+              </a:rPr>
+              <a:t>25748911</a:t>
+            </a:r>
+            <a:r>
+              <a:rPr lang="en-US" dirty="0" smtClean="0">
+                <a:latin typeface="Calibri" charset="0"/>
+                <a:ea typeface="ＭＳ Ｐゴシック" charset="0"/>
+              </a:rPr>
+              <a:t>) </a:t>
+            </a:r>
+          </a:p>
+          <a:p>
+            <a:pPr lvl="2"/>
+            <a:r>
+              <a:rPr lang="en-US" dirty="0" smtClean="0">
+                <a:latin typeface="Calibri" charset="0"/>
+                <a:ea typeface="ＭＳ Ｐゴシック" charset="0"/>
+              </a:rPr>
+              <a:t>Many </a:t>
+            </a:r>
+            <a:r>
+              <a:rPr lang="en-US" dirty="0" smtClean="0">
+                <a:latin typeface="Calibri" charset="0"/>
+                <a:ea typeface="ＭＳ Ｐゴシック" charset="0"/>
+              </a:rPr>
+              <a:t>others (</a:t>
+            </a:r>
+            <a:r>
+              <a:rPr lang="en-US" dirty="0" err="1" smtClean="0">
+                <a:latin typeface="Calibri" charset="0"/>
+                <a:ea typeface="ＭＳ Ｐゴシック" charset="0"/>
+              </a:rPr>
+              <a:t>EBSeq</a:t>
+            </a:r>
+            <a:r>
+              <a:rPr lang="en-US" dirty="0" smtClean="0">
+                <a:latin typeface="Calibri" charset="0"/>
+                <a:ea typeface="ＭＳ Ｐゴシック" charset="0"/>
+              </a:rPr>
+              <a:t>, etc.</a:t>
+            </a:r>
+            <a:r>
+              <a:rPr lang="en-US" dirty="0" smtClean="0">
+                <a:latin typeface="Calibri" charset="0"/>
+                <a:ea typeface="ＭＳ Ｐゴシック" charset="0"/>
+              </a:rPr>
+              <a:t>)</a:t>
+            </a:r>
+          </a:p>
+          <a:p>
+            <a:pPr lvl="1"/>
+            <a:endParaRPr lang="en-US" dirty="0">
+              <a:latin typeface="Calibri" charset="0"/>
+              <a:ea typeface="ＭＳ Ｐゴシック" charset="0"/>
+            </a:endParaRPr>
+          </a:p>
+          <a:p>
+            <a:r>
+              <a:rPr lang="en-US" dirty="0" smtClean="0">
+                <a:latin typeface="Calibri" charset="0"/>
+                <a:ea typeface="ＭＳ Ｐゴシック" charset="0"/>
+              </a:rPr>
+              <a:t>TPM approaches</a:t>
+            </a:r>
+          </a:p>
+          <a:p>
+            <a:pPr lvl="1"/>
+            <a:r>
+              <a:rPr lang="en-US" dirty="0" err="1" smtClean="0">
+                <a:latin typeface="Calibri" charset="0"/>
+                <a:ea typeface="ＭＳ Ｐゴシック" charset="0"/>
+                <a:hlinkClick r:id="rId6"/>
+              </a:rPr>
+              <a:t>Kallisto</a:t>
+            </a:r>
+            <a:r>
+              <a:rPr lang="en-US" dirty="0" smtClean="0">
+                <a:latin typeface="Calibri" charset="0"/>
+                <a:ea typeface="ＭＳ Ｐゴシック" charset="0"/>
+              </a:rPr>
+              <a:t>/</a:t>
+            </a:r>
+            <a:r>
+              <a:rPr lang="en-US" dirty="0" smtClean="0">
+                <a:latin typeface="Calibri" charset="0"/>
+                <a:ea typeface="ＭＳ Ｐゴシック" charset="0"/>
+                <a:hlinkClick r:id="rId7"/>
+              </a:rPr>
+              <a:t>Sleuth</a:t>
+            </a:r>
+            <a:endParaRPr lang="en-US" dirty="0">
+              <a:latin typeface="Calibri" charset="0"/>
+              <a:ea typeface="ＭＳ Ｐゴシック" charset="0"/>
+            </a:endParaRPr>
+          </a:p>
+          <a:p>
+            <a:pPr lvl="1"/>
+            <a:endParaRPr lang="en-US" dirty="0">
+              <a:latin typeface="Calibri" charset="0"/>
+              <a:ea typeface="ＭＳ Ｐゴシック" charset="0"/>
+            </a:endParaRPr>
+          </a:p>
+          <a:p>
+            <a:pPr marL="0" indent="0">
+              <a:buNone/>
+            </a:pPr>
+            <a:endParaRPr lang="en-US" dirty="0" smtClean="0"/>
+          </a:p>
+          <a:p>
+            <a:pPr marL="0" indent="0">
+              <a:buNone/>
+            </a:pPr>
+            <a:endParaRPr lang="en-US" dirty="0"/>
+          </a:p>
+        </p:txBody>
+      </p:sp>
+    </p:spTree>
+    <p:extLst>
+      <p:ext uri="{BB962C8B-B14F-4D97-AF65-F5344CB8AC3E}">
+        <p14:creationId xmlns:p14="http://schemas.microsoft.com/office/powerpoint/2010/main" val="1334736204"/>
+      </p:ext>
+    </p:extLst>
+  </p:cSld>
+  <p:clrMapOvr>
+    <a:masterClrMapping/>
+  </p:clrMapOvr>
+</p:sld>
+</file>
+
+<file path=ppt/slides/slide12.xml><?xml version="1.0" encoding="utf-8"?>
+<p:sld xmlns:a="http://schemas.openxmlformats.org/drawingml/2006/main" xmlns:r="http://schemas.openxmlformats.org/officeDocument/2006/relationships" xmlns:p="http://schemas.openxmlformats.org/presentationml/2006/main">
+  <p:cSld>
+    <p:spTree>
+      <p:nvGrpSpPr>
+        <p:cNvPr id="1" name=""/>
+        <p:cNvGrpSpPr/>
+        <p:nvPr/>
+      </p:nvGrpSpPr>
+      <p:grpSpPr>
+        <a:xfrm>
+          <a:off x="0" y="0"/>
+          <a:ext cx="0" cy="0"/>
+          <a:chOff x="0" y="0"/>
+          <a:chExt cx="0" cy="0"/>
+        </a:xfrm>
+      </p:grpSpPr>
+      <p:sp>
+        <p:nvSpPr>
+          <p:cNvPr id="2" name="Title 1"/>
+          <p:cNvSpPr>
+            <a:spLocks noGrp="1"/>
+          </p:cNvSpPr>
+          <p:nvPr>
+            <p:ph type="title"/>
+          </p:nvPr>
+        </p:nvSpPr>
+        <p:spPr/>
+        <p:txBody>
+          <a:bodyPr/>
+          <a:lstStyle/>
+          <a:p>
+            <a:r>
               <a:rPr lang="en-US" dirty="0">
                 <a:latin typeface="Calibri" charset="0"/>
                 <a:ea typeface="ＭＳ Ｐゴシック" charset="0"/>
@@ -3878,7 +3982,7 @@
 </p:sld>
 </file>
 
-<file path=ppt/slides/slide12.xml><?xml version="1.0" encoding="utf-8"?>
+<file path=ppt/slides/slide13.xml><?xml version="1.0" encoding="utf-8"?>
 <p:sld xmlns:a="http://schemas.openxmlformats.org/drawingml/2006/main" xmlns:r="http://schemas.openxmlformats.org/officeDocument/2006/relationships" xmlns:p="http://schemas.openxmlformats.org/presentationml/2006/main">
   <p:cSld>
     <p:spTree>
@@ -3959,7 +4063,7 @@
 </p:sld>
 </file>
 
-<file path=ppt/slides/slide13.xml><?xml version="1.0" encoding="utf-8"?>
+<file path=ppt/slides/slide14.xml><?xml version="1.0" encoding="utf-8"?>
 <p:sld xmlns:a="http://schemas.openxmlformats.org/drawingml/2006/main" xmlns:r="http://schemas.openxmlformats.org/officeDocument/2006/relationships" xmlns:p="http://schemas.openxmlformats.org/presentationml/2006/main">
   <p:cSld>
     <p:spTree>
@@ -4693,11 +4797,8 @@
           <a:lstStyle/>
           <a:p>
             <a:r>
-              <a:rPr lang="en-US" dirty="0">
-                <a:latin typeface="Calibri" charset="0"/>
-                <a:ea typeface="ＭＳ Ｐゴシック" charset="0"/>
-              </a:rPr>
-              <a:t>What is FPKM (RPKM)</a:t>
+              <a:rPr lang="en-US" dirty="0" smtClean="0"/>
+              <a:t>Abundance/expression estimation methods</a:t>
             </a:r>
             <a:endParaRPr lang="en-US" dirty="0"/>
           </a:p>
@@ -4715,262 +4816,107 @@
         </p:nvSpPr>
         <p:spPr/>
         <p:txBody>
-          <a:bodyPr>
-            <a:normAutofit fontScale="92500" lnSpcReduction="20000"/>
-          </a:bodyPr>
+          <a:bodyPr/>
           <a:lstStyle/>
           <a:p>
             <a:r>
-              <a:rPr lang="en-US" dirty="0">
-                <a:latin typeface="Calibri" charset="0"/>
-                <a:ea typeface="ＭＳ Ｐゴシック" charset="0"/>
-              </a:rPr>
-              <a:t>RPKM: Reads Per </a:t>
-            </a:r>
-            <a:r>
-              <a:rPr lang="en-US" dirty="0" err="1">
-                <a:latin typeface="Calibri" charset="0"/>
-                <a:ea typeface="ＭＳ Ｐゴシック" charset="0"/>
-              </a:rPr>
-              <a:t>Kilobase</a:t>
-            </a:r>
-            <a:r>
-              <a:rPr lang="en-US" dirty="0">
-                <a:latin typeface="Calibri" charset="0"/>
-                <a:ea typeface="ＭＳ Ｐゴシック" charset="0"/>
-              </a:rPr>
-              <a:t> of transcript per Million mapped reads. </a:t>
-            </a:r>
-          </a:p>
-          <a:p>
-            <a:r>
-              <a:rPr lang="en-US" dirty="0">
-                <a:latin typeface="Calibri" charset="0"/>
-                <a:ea typeface="ＭＳ Ｐゴシック" charset="0"/>
-              </a:rPr>
-              <a:t>FPKM: Fragments Per </a:t>
-            </a:r>
-            <a:r>
-              <a:rPr lang="en-US" dirty="0" err="1">
-                <a:latin typeface="Calibri" charset="0"/>
-                <a:ea typeface="ＭＳ Ｐゴシック" charset="0"/>
-              </a:rPr>
-              <a:t>Kilobase</a:t>
-            </a:r>
-            <a:r>
-              <a:rPr lang="en-US" dirty="0">
-                <a:latin typeface="Calibri" charset="0"/>
-                <a:ea typeface="ＭＳ Ｐゴシック" charset="0"/>
-              </a:rPr>
-              <a:t> of transcript per Million mapped reads.</a:t>
-            </a:r>
-          </a:p>
-          <a:p>
-            <a:r>
-              <a:rPr lang="en-US" dirty="0">
-                <a:latin typeface="Calibri" charset="0"/>
-                <a:ea typeface="ＭＳ Ｐゴシック" charset="0"/>
-              </a:rPr>
-              <a:t>In RNA-</a:t>
-            </a:r>
-            <a:r>
-              <a:rPr lang="en-US" dirty="0" err="1">
-                <a:latin typeface="Calibri" charset="0"/>
-                <a:ea typeface="ＭＳ Ｐゴシック" charset="0"/>
-              </a:rPr>
-              <a:t>Seq</a:t>
-            </a:r>
-            <a:r>
-              <a:rPr lang="en-US" dirty="0">
-                <a:latin typeface="Calibri" charset="0"/>
-                <a:ea typeface="ＭＳ Ｐゴシック" charset="0"/>
-              </a:rPr>
-              <a:t>, the relative expression of a transcript is proportional to the number of </a:t>
-            </a:r>
-            <a:r>
-              <a:rPr lang="en-US" dirty="0" err="1">
-                <a:latin typeface="Calibri" charset="0"/>
-                <a:ea typeface="ＭＳ Ｐゴシック" charset="0"/>
-              </a:rPr>
-              <a:t>cDNA</a:t>
-            </a:r>
-            <a:r>
-              <a:rPr lang="en-US" dirty="0">
-                <a:latin typeface="Calibri" charset="0"/>
-                <a:ea typeface="ＭＳ Ｐゴシック" charset="0"/>
-              </a:rPr>
-              <a:t> fragments that originate from it. However: </a:t>
+              <a:rPr lang="en-US" dirty="0" smtClean="0"/>
+              <a:t>Raw Counts</a:t>
             </a:r>
           </a:p>
           <a:p>
             <a:pPr lvl="1"/>
             <a:r>
-              <a:rPr lang="en-US" dirty="0">
-                <a:latin typeface="Calibri" charset="0"/>
-                <a:ea typeface="ＭＳ Ｐゴシック" charset="0"/>
-              </a:rPr>
-              <a:t>The number of fragments is also biased towards larger genes</a:t>
-            </a:r>
+              <a:rPr lang="en-US" dirty="0" err="1" smtClean="0">
+                <a:hlinkClick r:id="rId2"/>
+              </a:rPr>
+              <a:t>HTSeq</a:t>
+            </a:r>
+            <a:r>
+              <a:rPr lang="en-US" dirty="0" smtClean="0">
+                <a:hlinkClick r:id="rId2"/>
+              </a:rPr>
+              <a:t>-Count</a:t>
+            </a:r>
+            <a:endParaRPr lang="en-US" dirty="0" smtClean="0"/>
           </a:p>
           <a:p>
             <a:pPr lvl="1"/>
             <a:r>
-              <a:rPr lang="en-US" dirty="0">
-                <a:latin typeface="Calibri" charset="0"/>
-                <a:ea typeface="ＭＳ Ｐゴシック" charset="0"/>
-              </a:rPr>
-              <a:t>The total number of fragments is related to total library depth</a:t>
-            </a:r>
-          </a:p>
-          <a:p>
-            <a:r>
-              <a:rPr lang="en-US" dirty="0">
-                <a:latin typeface="Calibri" charset="0"/>
-                <a:ea typeface="ＭＳ Ｐゴシック" charset="0"/>
-              </a:rPr>
-              <a:t>FPKM (RPKM) attempt to normalize for gene size and library depth</a:t>
-            </a:r>
-          </a:p>
-          <a:p>
-            <a:endParaRPr lang="nl-NL" dirty="0">
-              <a:latin typeface="Calibri" charset="0"/>
-              <a:ea typeface="ＭＳ Ｐゴシック" charset="0"/>
-            </a:endParaRPr>
-          </a:p>
-          <a:p>
-            <a:r>
-              <a:rPr lang="nl-NL" dirty="0">
-                <a:latin typeface="Calibri" charset="0"/>
-                <a:ea typeface="ＭＳ Ｐゴシック" charset="0"/>
-              </a:rPr>
-              <a:t>FPKM (RPKM) = (10^9 * C) / (N * L)</a:t>
-            </a:r>
-            <a:r>
-              <a:rPr lang="en-US" dirty="0">
-                <a:latin typeface="Calibri" charset="0"/>
-                <a:ea typeface="ＭＳ Ｐゴシック" charset="0"/>
-              </a:rPr>
-              <a:t> </a:t>
-            </a:r>
+              <a:rPr lang="en-US" dirty="0" err="1" smtClean="0">
+                <a:hlinkClick r:id="rId3"/>
+              </a:rPr>
+              <a:t>FeatureCounts</a:t>
+            </a:r>
+            <a:endParaRPr lang="en-US" dirty="0" smtClean="0"/>
           </a:p>
           <a:p>
             <a:pPr lvl="1"/>
             <a:r>
-              <a:rPr lang="en-US" dirty="0">
-                <a:latin typeface="Calibri" charset="0"/>
-                <a:ea typeface="ＭＳ Ｐゴシック" charset="0"/>
-              </a:rPr>
-              <a:t>C = number of </a:t>
-            </a:r>
-            <a:r>
-              <a:rPr lang="en-US" dirty="0" err="1">
-                <a:latin typeface="Calibri" charset="0"/>
-                <a:ea typeface="ＭＳ Ｐゴシック" charset="0"/>
-              </a:rPr>
-              <a:t>mappable</a:t>
-            </a:r>
-            <a:r>
-              <a:rPr lang="en-US" dirty="0">
-                <a:latin typeface="Calibri" charset="0"/>
-                <a:ea typeface="ＭＳ Ｐゴシック" charset="0"/>
-              </a:rPr>
-              <a:t> reads/fragments for a gene/transcript/exon/</a:t>
-            </a:r>
-            <a:r>
-              <a:rPr lang="en-US" dirty="0" err="1">
-                <a:latin typeface="Calibri" charset="0"/>
-                <a:ea typeface="ＭＳ Ｐゴシック" charset="0"/>
-              </a:rPr>
-              <a:t>etc</a:t>
-            </a:r>
-            <a:endParaRPr lang="en-US" dirty="0">
-              <a:latin typeface="Calibri" charset="0"/>
-              <a:ea typeface="ＭＳ Ｐゴシック" charset="0"/>
-            </a:endParaRPr>
+              <a:rPr lang="en-US" dirty="0" err="1" smtClean="0">
+                <a:hlinkClick r:id="rId4"/>
+              </a:rPr>
+              <a:t>StringTie</a:t>
+            </a:r>
+            <a:endParaRPr lang="en-US" dirty="0" smtClean="0"/>
+          </a:p>
+          <a:p>
+            <a:endParaRPr lang="en-US" dirty="0" smtClean="0"/>
+          </a:p>
+          <a:p>
+            <a:r>
+              <a:rPr lang="en-US" dirty="0" smtClean="0"/>
+              <a:t>RPKM/FPKM values</a:t>
+            </a:r>
           </a:p>
           <a:p>
             <a:pPr lvl="1"/>
             <a:r>
-              <a:rPr lang="en-US" dirty="0">
-                <a:latin typeface="Calibri" charset="0"/>
-                <a:ea typeface="ＭＳ Ｐゴシック" charset="0"/>
-              </a:rPr>
-              <a:t>N = total number of </a:t>
-            </a:r>
-            <a:r>
-              <a:rPr lang="en-US" dirty="0" err="1">
-                <a:latin typeface="Calibri" charset="0"/>
-                <a:ea typeface="ＭＳ Ｐゴシック" charset="0"/>
-              </a:rPr>
-              <a:t>mappable</a:t>
-            </a:r>
-            <a:r>
-              <a:rPr lang="en-US" dirty="0">
-                <a:latin typeface="Calibri" charset="0"/>
-                <a:ea typeface="ＭＳ Ｐゴシック" charset="0"/>
-              </a:rPr>
-              <a:t> reads/fragments in the library </a:t>
-            </a:r>
+              <a:rPr lang="en-US" dirty="0" err="1" smtClean="0">
+                <a:hlinkClick r:id="rId4"/>
+              </a:rPr>
+              <a:t>StringTie</a:t>
+            </a:r>
+            <a:endParaRPr lang="en-US" dirty="0" smtClean="0"/>
           </a:p>
           <a:p>
             <a:pPr lvl="1"/>
-            <a:r>
-              <a:rPr lang="en-US" dirty="0">
-                <a:latin typeface="Calibri" charset="0"/>
-                <a:ea typeface="ＭＳ Ｐゴシック" charset="0"/>
-              </a:rPr>
-              <a:t>L = number of base pairs in the gene/transcript/exon/</a:t>
-            </a:r>
-            <a:r>
-              <a:rPr lang="en-US" dirty="0" err="1">
-                <a:latin typeface="Calibri" charset="0"/>
-                <a:ea typeface="ＭＳ Ｐゴシック" charset="0"/>
-              </a:rPr>
-              <a:t>etc</a:t>
-            </a:r>
-            <a:endParaRPr lang="en-US" dirty="0">
-              <a:latin typeface="Calibri" charset="0"/>
-              <a:ea typeface="ＭＳ Ｐゴシック" charset="0"/>
-            </a:endParaRPr>
-          </a:p>
-          <a:p>
-            <a:pPr marL="457200" lvl="1" indent="0">
-              <a:buNone/>
-            </a:pPr>
-            <a:endParaRPr lang="en-US" dirty="0">
-              <a:latin typeface="Calibri" charset="0"/>
-              <a:ea typeface="ＭＳ Ｐゴシック" charset="0"/>
-            </a:endParaRPr>
-          </a:p>
-          <a:p>
-            <a:r>
-              <a:rPr lang="en-US" dirty="0">
-                <a:latin typeface="Calibri" charset="0"/>
-                <a:ea typeface="ＭＳ Ｐゴシック" charset="0"/>
-                <a:hlinkClick r:id="rId2"/>
-              </a:rPr>
-              <a:t>http://www.biostars.org/p/11378/</a:t>
-            </a:r>
-            <a:endParaRPr lang="en-US" dirty="0">
-              <a:latin typeface="Calibri" charset="0"/>
-              <a:ea typeface="ＭＳ Ｐゴシック" charset="0"/>
-            </a:endParaRPr>
-          </a:p>
-          <a:p>
-            <a:r>
-              <a:rPr lang="en-US" dirty="0">
-                <a:latin typeface="Calibri" charset="0"/>
-                <a:ea typeface="ＭＳ Ｐゴシック" charset="0"/>
-                <a:hlinkClick r:id="rId3"/>
-              </a:rPr>
-              <a:t>http://www.biostars.org/p/68126/</a:t>
-            </a:r>
-            <a:endParaRPr lang="en-US" dirty="0">
-              <a:latin typeface="Calibri" charset="0"/>
-              <a:ea typeface="ＭＳ Ｐゴシック" charset="0"/>
-            </a:endParaRPr>
-          </a:p>
-          <a:p>
+            <a:endParaRPr lang="en-US" dirty="0"/>
+          </a:p>
+          <a:p>
+            <a:r>
+              <a:rPr lang="en-US" dirty="0" smtClean="0"/>
+              <a:t>TPM values</a:t>
+            </a:r>
+          </a:p>
+          <a:p>
+            <a:pPr lvl="1"/>
+            <a:r>
+              <a:rPr lang="en-US" dirty="0" err="1" smtClean="0">
+                <a:hlinkClick r:id="rId5"/>
+              </a:rPr>
+              <a:t>Kallisto</a:t>
+            </a:r>
+            <a:endParaRPr lang="en-US" dirty="0" smtClean="0"/>
+          </a:p>
+          <a:p>
+            <a:pPr lvl="1"/>
+            <a:r>
+              <a:rPr lang="en-US" dirty="0" smtClean="0">
+                <a:hlinkClick r:id="rId6"/>
+              </a:rPr>
+              <a:t>Salmon</a:t>
+            </a:r>
+            <a:endParaRPr lang="en-US" dirty="0" smtClean="0"/>
+          </a:p>
+          <a:p>
+            <a:pPr lvl="1"/>
+            <a:r>
+              <a:rPr lang="en-US" dirty="0" err="1" smtClean="0">
+                <a:hlinkClick r:id="rId4"/>
+              </a:rPr>
+              <a:t>StringTie</a:t>
+            </a:r>
             <a:endParaRPr lang="en-US" dirty="0"/>
           </a:p>
         </p:txBody>
@@ -4978,7 +4924,7 @@
     </p:spTree>
     <p:extLst>
       <p:ext uri="{BB962C8B-B14F-4D97-AF65-F5344CB8AC3E}">
-        <p14:creationId xmlns:p14="http://schemas.microsoft.com/office/powerpoint/2010/main" val="3800216838"/>
+        <p14:creationId xmlns:p14="http://schemas.microsoft.com/office/powerpoint/2010/main" val="3199868973"/>
       </p:ext>
     </p:extLst>
   </p:cSld>
@@ -5021,8 +4967,11 @@
           <a:lstStyle/>
           <a:p>
             <a:r>
-              <a:rPr lang="en-US" dirty="0" smtClean="0"/>
-              <a:t>What are raw counts?</a:t>
+              <a:rPr lang="en-US" dirty="0">
+                <a:latin typeface="Calibri" charset="0"/>
+                <a:ea typeface="ＭＳ Ｐゴシック" charset="0"/>
+              </a:rPr>
+              <a:t>What is FPKM (RPKM)</a:t>
             </a:r>
             <a:endParaRPr lang="en-US" dirty="0"/>
           </a:p>
@@ -5040,7 +4989,9 @@
         </p:nvSpPr>
         <p:spPr/>
         <p:txBody>
-          <a:bodyPr/>
+          <a:bodyPr>
+            <a:normAutofit fontScale="92500" lnSpcReduction="20000"/>
+          </a:bodyPr>
           <a:lstStyle/>
           <a:p>
             <a:r>
@@ -5048,7 +4999,81 @@
                 <a:latin typeface="Calibri" charset="0"/>
                 <a:ea typeface="ＭＳ Ｐゴシック" charset="0"/>
               </a:rPr>
-              <a:t>Raw read counts as an alternate for differential expression analysis</a:t>
+              <a:t>RPKM: Reads Per </a:t>
+            </a:r>
+            <a:r>
+              <a:rPr lang="en-US" dirty="0" err="1">
+                <a:latin typeface="Calibri" charset="0"/>
+                <a:ea typeface="ＭＳ Ｐゴシック" charset="0"/>
+              </a:rPr>
+              <a:t>Kilobase</a:t>
+            </a:r>
+            <a:r>
+              <a:rPr lang="en-US" dirty="0">
+                <a:latin typeface="Calibri" charset="0"/>
+                <a:ea typeface="ＭＳ Ｐゴシック" charset="0"/>
+              </a:rPr>
+              <a:t> of transcript per Million mapped reads. </a:t>
+            </a:r>
+          </a:p>
+          <a:p>
+            <a:r>
+              <a:rPr lang="en-US" dirty="0">
+                <a:latin typeface="Calibri" charset="0"/>
+                <a:ea typeface="ＭＳ Ｐゴシック" charset="0"/>
+              </a:rPr>
+              <a:t>FPKM: Fragments Per </a:t>
+            </a:r>
+            <a:r>
+              <a:rPr lang="en-US" dirty="0" err="1">
+                <a:latin typeface="Calibri" charset="0"/>
+                <a:ea typeface="ＭＳ Ｐゴシック" charset="0"/>
+              </a:rPr>
+              <a:t>Kilobase</a:t>
+            </a:r>
+            <a:r>
+              <a:rPr lang="en-US" dirty="0">
+                <a:latin typeface="Calibri" charset="0"/>
+                <a:ea typeface="ＭＳ Ｐゴシック" charset="0"/>
+              </a:rPr>
+              <a:t> of transcript per Million mapped reads.</a:t>
+            </a:r>
+          </a:p>
+          <a:p>
+            <a:r>
+              <a:rPr lang="en-US" dirty="0">
+                <a:latin typeface="Calibri" charset="0"/>
+                <a:ea typeface="ＭＳ Ｐゴシック" charset="0"/>
+              </a:rPr>
+              <a:t>In RNA-</a:t>
+            </a:r>
+            <a:r>
+              <a:rPr lang="en-US" dirty="0" err="1">
+                <a:latin typeface="Calibri" charset="0"/>
+                <a:ea typeface="ＭＳ Ｐゴシック" charset="0"/>
+              </a:rPr>
+              <a:t>Seq</a:t>
+            </a:r>
+            <a:r>
+              <a:rPr lang="en-US" dirty="0">
+                <a:latin typeface="Calibri" charset="0"/>
+                <a:ea typeface="ＭＳ Ｐゴシック" charset="0"/>
+              </a:rPr>
+              <a:t>, the relative expression of a transcript is proportional to the number of </a:t>
+            </a:r>
+            <a:r>
+              <a:rPr lang="en-US" dirty="0" err="1">
+                <a:latin typeface="Calibri" charset="0"/>
+                <a:ea typeface="ＭＳ Ｐゴシック" charset="0"/>
+              </a:rPr>
+              <a:t>cDNA</a:t>
+            </a:r>
+            <a:r>
+              <a:rPr lang="en-US" dirty="0">
+                <a:latin typeface="Calibri" charset="0"/>
+                <a:ea typeface="ＭＳ Ｐゴシック" charset="0"/>
+              </a:rPr>
+              <a:t> fragments that originate from it. However: </a:t>
             </a:r>
           </a:p>
           <a:p>
@@ -5058,58 +5083,79 @@
                 <a:latin typeface="Calibri" charset="0"/>
                 <a:ea typeface="ＭＳ Ｐゴシック" charset="0"/>
               </a:rPr>
-              <a:t>Instead of calculating FPKM, simply assign reads/fragments to a defined set of genes/transcripts and determine “raw counts”</a:t>
-            </a:r>
-          </a:p>
-          <a:p>
-            <a:pPr lvl="2"/>
+              <a:t>The number of fragments is also biased towards larger genes</a:t>
+            </a:r>
+          </a:p>
+          <a:p>
+            <a:pPr lvl="1"/>
             <a:r>
               <a:rPr lang="en-US" dirty="0">
                 <a:latin typeface="Calibri" charset="0"/>
                 <a:ea typeface="ＭＳ Ｐゴシック" charset="0"/>
               </a:rPr>
-              <a:t>Transcript structures could still be defined by something like cufflinks </a:t>
-            </a:r>
-          </a:p>
-          <a:p>
+              <a:t>The total number of fragments is related to total library depth</a:t>
+            </a:r>
+          </a:p>
+          <a:p>
+            <a:r>
+              <a:rPr lang="en-US" dirty="0">
+                <a:latin typeface="Calibri" charset="0"/>
+                <a:ea typeface="ＭＳ Ｐゴシック" charset="0"/>
+              </a:rPr>
+              <a:t>FPKM (RPKM) attempt to normalize for gene size and library depth</a:t>
+            </a:r>
+          </a:p>
+          <a:p>
+            <a:endParaRPr lang="nl-NL" dirty="0">
+              <a:latin typeface="Calibri" charset="0"/>
+              <a:ea typeface="ＭＳ Ｐゴシック" charset="0"/>
+            </a:endParaRPr>
+          </a:p>
+          <a:p>
+            <a:r>
+              <a:rPr lang="nl-NL" dirty="0">
+                <a:latin typeface="Calibri" charset="0"/>
+                <a:ea typeface="ＭＳ Ｐゴシック" charset="0"/>
+              </a:rPr>
+              <a:t>FPKM (RPKM) = (10^9 * C) / (N * L)</a:t>
+            </a:r>
+            <a:r>
+              <a:rPr lang="en-US" dirty="0">
+                <a:latin typeface="Calibri" charset="0"/>
+                <a:ea typeface="ＭＳ Ｐゴシック" charset="0"/>
+              </a:rPr>
+              <a:t> </a:t>
+            </a:r>
+          </a:p>
+          <a:p>
+            <a:pPr lvl="1"/>
+            <a:r>
+              <a:rPr lang="en-US" dirty="0">
+                <a:latin typeface="Calibri" charset="0"/>
+                <a:ea typeface="ＭＳ Ｐゴシック" charset="0"/>
+              </a:rPr>
+              <a:t>C = number of </a:t>
+            </a:r>
             <a:r>
               <a:rPr lang="en-US" dirty="0" err="1">
                 <a:latin typeface="Calibri" charset="0"/>
                 <a:ea typeface="ＭＳ Ｐゴシック" charset="0"/>
               </a:rPr>
-              <a:t>HTSeq</a:t>
+              <a:t>mappable</a:t>
             </a:r>
             <a:r>
               <a:rPr lang="en-US" dirty="0">
                 <a:latin typeface="Calibri" charset="0"/>
                 <a:ea typeface="ＭＳ Ｐゴシック" charset="0"/>
               </a:rPr>
-              <a:t> (</a:t>
+              <a:t> reads/fragments for a gene/transcript/exon/</a:t>
             </a:r>
             <a:r>
               <a:rPr lang="en-US" dirty="0" err="1">
                 <a:latin typeface="Calibri" charset="0"/>
                 <a:ea typeface="ＭＳ Ｐゴシック" charset="0"/>
               </a:rPr>
-              <a:t>htseq</a:t>
-            </a:r>
-            <a:r>
-              <a:rPr lang="en-US" dirty="0">
-                <a:latin typeface="Calibri" charset="0"/>
-                <a:ea typeface="ＭＳ Ｐゴシック" charset="0"/>
-              </a:rPr>
-              <a:t>-count)</a:t>
-            </a:r>
-          </a:p>
-          <a:p>
-            <a:pPr lvl="1"/>
-            <a:r>
-              <a:rPr lang="en-US" dirty="0">
-                <a:latin typeface="Calibri" charset="0"/>
-                <a:ea typeface="ＭＳ Ｐゴシック" charset="0"/>
-                <a:hlinkClick r:id="rId3"/>
-              </a:rPr>
-              <a:t>http://www-huber.embl.de/users/anders/HTSeq/doc/count.html</a:t>
+              <a:t>etc</a:t>
             </a:r>
             <a:endParaRPr lang="en-US" dirty="0">
               <a:latin typeface="Calibri" charset="0"/>
@@ -5119,81 +5165,42 @@
           <a:p>
             <a:pPr lvl="1"/>
             <a:r>
+              <a:rPr lang="en-US" dirty="0">
+                <a:latin typeface="Calibri" charset="0"/>
+                <a:ea typeface="ＭＳ Ｐゴシック" charset="0"/>
+              </a:rPr>
+              <a:t>N = total number of </a:t>
+            </a:r>
+            <a:r>
               <a:rPr lang="en-US" dirty="0" err="1">
                 <a:latin typeface="Calibri" charset="0"/>
                 <a:ea typeface="ＭＳ Ｐゴシック" charset="0"/>
               </a:rPr>
-              <a:t>htseq</a:t>
+              <a:t>mappable</a:t>
             </a:r>
             <a:r>
               <a:rPr lang="en-US" dirty="0">
                 <a:latin typeface="Calibri" charset="0"/>
                 <a:ea typeface="ＭＳ Ｐゴシック" charset="0"/>
               </a:rPr>
-              <a:t>-count --mode intersection-strict --stranded no --</a:t>
+              <a:t> reads/fragments in the library </a:t>
+            </a:r>
+          </a:p>
+          <a:p>
+            <a:pPr lvl="1"/>
+            <a:r>
+              <a:rPr lang="en-US" dirty="0">
+                <a:latin typeface="Calibri" charset="0"/>
+                <a:ea typeface="ＭＳ Ｐゴシック" charset="0"/>
+              </a:rPr>
+              <a:t>L = number of base pairs in the gene/transcript/exon/</a:t>
             </a:r>
             <a:r>
               <a:rPr lang="en-US" dirty="0" err="1">
                 <a:latin typeface="Calibri" charset="0"/>
                 <a:ea typeface="ＭＳ Ｐゴシック" charset="0"/>
               </a:rPr>
-              <a:t>minaqual</a:t>
-            </a:r>
-            <a:r>
-              <a:rPr lang="en-US" dirty="0">
-                <a:latin typeface="Calibri" charset="0"/>
-                <a:ea typeface="ＭＳ Ｐゴシック" charset="0"/>
-              </a:rPr>
-              <a:t> 1 --type exon --</a:t>
-            </a:r>
-            <a:r>
-              <a:rPr lang="en-US" dirty="0" err="1">
-                <a:latin typeface="Calibri" charset="0"/>
-                <a:ea typeface="ＭＳ Ｐゴシック" charset="0"/>
-              </a:rPr>
-              <a:t>idattr</a:t>
-            </a:r>
-            <a:r>
-              <a:rPr lang="en-US" dirty="0">
-                <a:latin typeface="Calibri" charset="0"/>
-                <a:ea typeface="ＭＳ Ｐゴシック" charset="0"/>
-              </a:rPr>
-              <a:t> </a:t>
-            </a:r>
-            <a:r>
-              <a:rPr lang="en-US" dirty="0" err="1">
-                <a:latin typeface="Calibri" charset="0"/>
-                <a:ea typeface="ＭＳ Ｐゴシック" charset="0"/>
-              </a:rPr>
-              <a:t>transcript_id</a:t>
-            </a:r>
-            <a:r>
-              <a:rPr lang="en-US" dirty="0">
-                <a:latin typeface="Calibri" charset="0"/>
-                <a:ea typeface="ＭＳ Ｐゴシック" charset="0"/>
-              </a:rPr>
-              <a:t> </a:t>
-            </a:r>
-            <a:r>
-              <a:rPr lang="en-US" dirty="0" err="1">
-                <a:latin typeface="Calibri" charset="0"/>
-                <a:ea typeface="ＭＳ Ｐゴシック" charset="0"/>
-              </a:rPr>
-              <a:t>accepted_hits.sam</a:t>
-            </a:r>
-            <a:r>
-              <a:rPr lang="en-US" dirty="0">
-                <a:latin typeface="Calibri" charset="0"/>
-                <a:ea typeface="ＭＳ Ｐゴシック" charset="0"/>
-              </a:rPr>
-              <a:t> chr22.gff &gt; </a:t>
-            </a:r>
-            <a:r>
-              <a:rPr lang="en-US" dirty="0" err="1">
-                <a:latin typeface="Calibri" charset="0"/>
-                <a:ea typeface="ＭＳ Ｐゴシック" charset="0"/>
-              </a:rPr>
-              <a:t>transcript_read_counts_table.tsv</a:t>
+              <a:t>etc</a:t>
             </a:r>
             <a:endParaRPr lang="en-US" dirty="0">
               <a:latin typeface="Calibri" charset="0"/>
@@ -5201,45 +5208,43 @@
             </a:endParaRPr>
           </a:p>
           <a:p>
-            <a:pPr lvl="1"/>
-            <a:r>
-              <a:rPr lang="en-US" dirty="0">
-                <a:latin typeface="Calibri" charset="0"/>
-                <a:ea typeface="ＭＳ Ｐゴシック" charset="0"/>
-              </a:rPr>
-              <a:t>Important caveat of ‘transcript’ analysis by </a:t>
-            </a:r>
-            <a:r>
-              <a:rPr lang="en-US" dirty="0" err="1">
-                <a:latin typeface="Calibri" charset="0"/>
-                <a:ea typeface="ＭＳ Ｐゴシック" charset="0"/>
-              </a:rPr>
-              <a:t>htseq</a:t>
-            </a:r>
-            <a:r>
-              <a:rPr lang="en-US" dirty="0">
-                <a:latin typeface="Calibri" charset="0"/>
-                <a:ea typeface="ＭＳ Ｐゴシック" charset="0"/>
-              </a:rPr>
-              <a:t>-count:</a:t>
-            </a:r>
-          </a:p>
-          <a:p>
-            <a:pPr lvl="2"/>
-            <a:r>
-              <a:rPr lang="en-US" dirty="0">
-                <a:latin typeface="Calibri" charset="0"/>
-                <a:ea typeface="ＭＳ Ｐゴシック" charset="0"/>
-                <a:hlinkClick r:id="rId4"/>
-              </a:rPr>
-              <a:t>http://seqanswers.com/forums/showthread.php?t=18068</a:t>
-            </a:r>
+            <a:pPr marL="457200" lvl="1" indent="0">
+              <a:buNone/>
+            </a:pPr>
             <a:endParaRPr lang="en-US" dirty="0">
               <a:latin typeface="Calibri" charset="0"/>
               <a:ea typeface="ＭＳ Ｐゴシック" charset="0"/>
             </a:endParaRPr>
           </a:p>
           <a:p>
+            <a:r>
+              <a:rPr lang="en-US" dirty="0">
+                <a:latin typeface="Calibri" charset="0"/>
+                <a:ea typeface="ＭＳ Ｐゴシック" charset="0"/>
+                <a:hlinkClick r:id="rId2"/>
+              </a:rPr>
+              <a:t>http://www.biostars.org/p/11378/</a:t>
+            </a:r>
+            <a:endParaRPr lang="en-US" dirty="0">
+              <a:latin typeface="Calibri" charset="0"/>
+              <a:ea typeface="ＭＳ Ｐゴシック" charset="0"/>
+            </a:endParaRPr>
+          </a:p>
+          <a:p>
+            <a:r>
+              <a:rPr lang="en-US" dirty="0">
+                <a:latin typeface="Calibri" charset="0"/>
+                <a:ea typeface="ＭＳ Ｐゴシック" charset="0"/>
+                <a:hlinkClick r:id="rId3"/>
+              </a:rPr>
+              <a:t>http://www.biostars.org/p/68126/</a:t>
+            </a:r>
+            <a:endParaRPr lang="en-US" dirty="0">
+              <a:latin typeface="Calibri" charset="0"/>
+              <a:ea typeface="ＭＳ Ｐゴシック" charset="0"/>
+            </a:endParaRPr>
+          </a:p>
+          <a:p>
             <a:endParaRPr lang="en-US" dirty="0"/>
           </a:p>
         </p:txBody>
@@ -5247,7 +5252,7 @@
     </p:spTree>
     <p:extLst>
       <p:ext uri="{BB962C8B-B14F-4D97-AF65-F5344CB8AC3E}">
-        <p14:creationId xmlns:p14="http://schemas.microsoft.com/office/powerpoint/2010/main" val="1513343475"/>
+        <p14:creationId xmlns:p14="http://schemas.microsoft.com/office/powerpoint/2010/main" val="3800216838"/>
       </p:ext>
     </p:extLst>
   </p:cSld>
@@ -5286,79 +5291,237 @@
         </p:nvSpPr>
         <p:spPr/>
         <p:txBody>
-          <a:bodyPr>
-            <a:normAutofit fontScale="90000"/>
-          </a:bodyPr>
+          <a:bodyPr/>
           <a:lstStyle/>
           <a:p>
             <a:r>
-              <a:rPr lang="en-US" dirty="0" err="1"/>
+              <a:rPr lang="en-US" dirty="0" smtClean="0"/>
+              <a:t>What are raw counts?</a:t>
+            </a:r>
+            <a:endParaRPr lang="en-US" dirty="0"/>
+          </a:p>
+        </p:txBody>
+      </p:sp>
+      <p:sp>
+        <p:nvSpPr>
+          <p:cNvPr id="3" name="Content Placeholder 2"/>
+          <p:cNvSpPr>
+            <a:spLocks noGrp="1"/>
+          </p:cNvSpPr>
+          <p:nvPr>
+            <p:ph idx="1"/>
+          </p:nvPr>
+        </p:nvSpPr>
+        <p:spPr/>
+        <p:txBody>
+          <a:bodyPr/>
+          <a:lstStyle/>
+          <a:p>
+            <a:r>
+              <a:rPr lang="en-US" dirty="0">
+                <a:latin typeface="Calibri" charset="0"/>
+                <a:ea typeface="ＭＳ Ｐゴシック" charset="0"/>
+              </a:rPr>
+              <a:t>Raw read counts as an alternate for differential expression analysis</a:t>
+            </a:r>
+          </a:p>
+          <a:p>
+            <a:pPr lvl="1"/>
+            <a:r>
+              <a:rPr lang="en-US" dirty="0">
+                <a:latin typeface="Calibri" charset="0"/>
+                <a:ea typeface="ＭＳ Ｐゴシック" charset="0"/>
+              </a:rPr>
+              <a:t>Instead of calculating FPKM, simply assign reads/fragments to a defined set of genes/transcripts and determine “raw counts”</a:t>
+            </a:r>
+          </a:p>
+          <a:p>
+            <a:pPr lvl="2"/>
+            <a:r>
+              <a:rPr lang="en-US" dirty="0">
+                <a:latin typeface="Calibri" charset="0"/>
+                <a:ea typeface="ＭＳ Ｐゴシック" charset="0"/>
+              </a:rPr>
+              <a:t>Transcript structures could still be defined by something like cufflinks </a:t>
+            </a:r>
+          </a:p>
+          <a:p>
+            <a:r>
+              <a:rPr lang="en-US" dirty="0" err="1">
+                <a:latin typeface="Calibri" charset="0"/>
+                <a:ea typeface="ＭＳ Ｐゴシック" charset="0"/>
+              </a:rPr>
               <a:t>HTSeq</a:t>
             </a:r>
             <a:r>
-              <a:rPr lang="en-US" dirty="0"/>
-              <a:t>-count basically counts reads supporting a feature (exon, gene) by assessing overlapping coordinates</a:t>
-            </a:r>
-          </a:p>
-        </p:txBody>
-      </p:sp>
-      <p:pic>
-        <p:nvPicPr>
-          <p:cNvPr id="4" name="Content Placeholder 3"/>
-          <p:cNvPicPr>
-            <a:picLocks noGrp="1" noChangeAspect="1"/>
-          </p:cNvPicPr>
-          <p:nvPr>
-            <p:ph idx="1"/>
-          </p:nvPr>
-        </p:nvPicPr>
-        <p:blipFill>
-          <a:blip r:embed="rId3"/>
-          <a:srcRect l="-25742" r="-25742"/>
-          <a:stretch>
-            <a:fillRect/>
-          </a:stretch>
-        </p:blipFill>
-        <p:spPr>
-          <a:prstGeom prst="rect">
-            <a:avLst/>
-          </a:prstGeom>
-        </p:spPr>
-      </p:pic>
-      <p:sp>
-        <p:nvSpPr>
-          <p:cNvPr id="5" name="TextBox 4"/>
-          <p:cNvSpPr txBox="1"/>
-          <p:nvPr/>
-        </p:nvSpPr>
-        <p:spPr>
-          <a:xfrm>
-            <a:off x="0" y="6212787"/>
-            <a:ext cx="8566566" cy="646331"/>
-          </a:xfrm>
-          <a:prstGeom prst="rect">
-            <a:avLst/>
-          </a:prstGeom>
-          <a:noFill/>
-        </p:spPr>
-        <p:txBody>
-          <a:bodyPr wrap="square" rtlCol="0">
-            <a:spAutoFit/>
-          </a:bodyPr>
-          <a:lstStyle/>
-          <a:p>
-            <a:r>
-              <a:rPr lang="en-US" sz="1800" dirty="0" smtClean="0"/>
-              <a:t>Whether a read is counted depends on the nature of overlap and “mode” selected</a:t>
-            </a:r>
-            <a:endParaRPr lang="en-US" sz="1800" dirty="0"/>
+              <a:rPr lang="en-US" dirty="0">
+                <a:latin typeface="Calibri" charset="0"/>
+                <a:ea typeface="ＭＳ Ｐゴシック" charset="0"/>
+              </a:rPr>
+              <a:t> (</a:t>
+            </a:r>
+            <a:r>
+              <a:rPr lang="en-US" dirty="0" err="1">
+                <a:latin typeface="Calibri" charset="0"/>
+                <a:ea typeface="ＭＳ Ｐゴシック" charset="0"/>
+              </a:rPr>
+              <a:t>htseq</a:t>
+            </a:r>
+            <a:r>
+              <a:rPr lang="en-US" dirty="0">
+                <a:latin typeface="Calibri" charset="0"/>
+                <a:ea typeface="ＭＳ Ｐゴシック" charset="0"/>
+              </a:rPr>
+              <a:t>-count)</a:t>
+            </a:r>
+          </a:p>
+          <a:p>
+            <a:pPr lvl="1"/>
+            <a:r>
+              <a:rPr lang="en-US" dirty="0">
+                <a:latin typeface="Calibri" charset="0"/>
+                <a:ea typeface="ＭＳ Ｐゴシック" charset="0"/>
+                <a:hlinkClick r:id="rId3"/>
+              </a:rPr>
+              <a:t>http://www-huber.embl.de/users/anders/HTSeq/doc/count.html</a:t>
+            </a:r>
+            <a:endParaRPr lang="en-US" dirty="0">
+              <a:latin typeface="Calibri" charset="0"/>
+              <a:ea typeface="ＭＳ Ｐゴシック" charset="0"/>
+            </a:endParaRPr>
+          </a:p>
+          <a:p>
+            <a:pPr lvl="1"/>
+            <a:r>
+              <a:rPr lang="en-US" dirty="0" err="1">
+                <a:latin typeface="Calibri" charset="0"/>
+                <a:ea typeface="ＭＳ Ｐゴシック" charset="0"/>
+              </a:rPr>
+              <a:t>htseq</a:t>
+            </a:r>
+            <a:r>
+              <a:rPr lang="en-US" dirty="0">
+                <a:latin typeface="Calibri" charset="0"/>
+                <a:ea typeface="ＭＳ Ｐゴシック" charset="0"/>
+              </a:rPr>
+              <a:t>-count --mode intersection-strict --stranded no --</a:t>
+            </a:r>
+            <a:r>
+              <a:rPr lang="en-US" dirty="0" err="1">
+                <a:latin typeface="Calibri" charset="0"/>
+                <a:ea typeface="ＭＳ Ｐゴシック" charset="0"/>
+              </a:rPr>
+              <a:t>minaqual</a:t>
+            </a:r>
+            <a:r>
+              <a:rPr lang="en-US" dirty="0">
+                <a:latin typeface="Calibri" charset="0"/>
+                <a:ea typeface="ＭＳ Ｐゴシック" charset="0"/>
+              </a:rPr>
+              <a:t> 1 --type exon --</a:t>
+            </a:r>
+            <a:r>
+              <a:rPr lang="en-US" dirty="0" err="1">
+                <a:latin typeface="Calibri" charset="0"/>
+                <a:ea typeface="ＭＳ Ｐゴシック" charset="0"/>
+              </a:rPr>
+              <a:t>idattr</a:t>
+            </a:r>
+            <a:r>
+              <a:rPr lang="en-US" dirty="0">
+                <a:latin typeface="Calibri" charset="0"/>
+                <a:ea typeface="ＭＳ Ｐゴシック" charset="0"/>
+              </a:rPr>
+              <a:t> </a:t>
+            </a:r>
+            <a:r>
+              <a:rPr lang="en-US" dirty="0" err="1">
+                <a:latin typeface="Calibri" charset="0"/>
+                <a:ea typeface="ＭＳ Ｐゴシック" charset="0"/>
+              </a:rPr>
+              <a:t>transcript_id</a:t>
+            </a:r>
+            <a:r>
+              <a:rPr lang="en-US" dirty="0">
+                <a:latin typeface="Calibri" charset="0"/>
+                <a:ea typeface="ＭＳ Ｐゴシック" charset="0"/>
+              </a:rPr>
+              <a:t> </a:t>
+            </a:r>
+            <a:r>
+              <a:rPr lang="en-US" dirty="0" err="1">
+                <a:latin typeface="Calibri" charset="0"/>
+                <a:ea typeface="ＭＳ Ｐゴシック" charset="0"/>
+              </a:rPr>
+              <a:t>accepted_hits.sam</a:t>
+            </a:r>
+            <a:r>
+              <a:rPr lang="en-US" dirty="0">
+                <a:latin typeface="Calibri" charset="0"/>
+                <a:ea typeface="ＭＳ Ｐゴシック" charset="0"/>
+              </a:rPr>
+              <a:t> chr22.gff &gt; </a:t>
+            </a:r>
+            <a:r>
+              <a:rPr lang="en-US" dirty="0" err="1">
+                <a:latin typeface="Calibri" charset="0"/>
+                <a:ea typeface="ＭＳ Ｐゴシック" charset="0"/>
+              </a:rPr>
+              <a:t>transcript_read_counts_table.tsv</a:t>
+            </a:r>
+            <a:endParaRPr lang="en-US" dirty="0">
+              <a:latin typeface="Calibri" charset="0"/>
+              <a:ea typeface="ＭＳ Ｐゴシック" charset="0"/>
+            </a:endParaRPr>
+          </a:p>
+          <a:p>
+            <a:pPr lvl="1"/>
+            <a:r>
+              <a:rPr lang="en-US" dirty="0">
+                <a:latin typeface="Calibri" charset="0"/>
+                <a:ea typeface="ＭＳ Ｐゴシック" charset="0"/>
+              </a:rPr>
+              <a:t>Important caveat of ‘transcript’ analysis by </a:t>
+            </a:r>
+            <a:r>
+              <a:rPr lang="en-US" dirty="0" err="1">
+                <a:latin typeface="Calibri" charset="0"/>
+                <a:ea typeface="ＭＳ Ｐゴシック" charset="0"/>
+              </a:rPr>
+              <a:t>htseq</a:t>
+            </a:r>
+            <a:r>
+              <a:rPr lang="en-US" dirty="0">
+                <a:latin typeface="Calibri" charset="0"/>
+                <a:ea typeface="ＭＳ Ｐゴシック" charset="0"/>
+              </a:rPr>
+              <a:t>-count:</a:t>
+            </a:r>
+          </a:p>
+          <a:p>
+            <a:pPr lvl="2"/>
+            <a:r>
+              <a:rPr lang="en-US" dirty="0">
+                <a:latin typeface="Calibri" charset="0"/>
+                <a:ea typeface="ＭＳ Ｐゴシック" charset="0"/>
+                <a:hlinkClick r:id="rId4"/>
+              </a:rPr>
+              <a:t>http://seqanswers.com/forums/showthread.php?t=18068</a:t>
+            </a:r>
+            <a:endParaRPr lang="en-US" dirty="0">
+              <a:latin typeface="Calibri" charset="0"/>
+              <a:ea typeface="ＭＳ Ｐゴシック" charset="0"/>
+            </a:endParaRPr>
+          </a:p>
+          <a:p>
+            <a:endParaRPr lang="en-US" dirty="0"/>
           </a:p>
         </p:txBody>
       </p:sp>
     </p:spTree>
     <p:extLst>
       <p:ext uri="{BB962C8B-B14F-4D97-AF65-F5344CB8AC3E}">
-        <p14:creationId xmlns:p14="http://schemas.microsoft.com/office/powerpoint/2010/main" val="1646574095"/>
+        <p14:creationId xmlns:p14="http://schemas.microsoft.com/office/powerpoint/2010/main" val="1513343475"/>
       </p:ext>
     </p:extLst>
   </p:cSld>
@@ -5629,7 +5792,7 @@
   <a:extraClrSchemeLst/>
   <a:extLst>
     <a:ext uri="{05A4C25C-085E-4340-85A3-A5531E510DB2}">
-      <thm15:themeFamily xmlns:thm15="http://schemas.microsoft.com/office/thememl/2012/main" xmlns="" name="MGI_4-3_ratio_v1a" id="{9A0171FA-20F4-F840-B1C8-29D686AB0540}" vid="{60506783-C923-7847-B1CA-7C860CC95497}"/>
+      <thm15:themeFamily xmlns="" xmlns:thm15="http://schemas.microsoft.com/office/thememl/2012/main" name="MGI_4-3_ratio_v1a" id="{9A0171FA-20F4-F840-B1C8-29D686AB0540}" vid="{60506783-C923-7847-B1CA-7C860CC95497}"/>
     </a:ext>
   </a:extLst>
 </a:theme>

--- a/GenViz_Module4_Lecture.pptx
+++ b/GenViz_Module4_Lecture.pptx
@@ -125,7 +125,7 @@
   </p:defaultTextStyle>
   <p:extLst>
     <p:ext uri="{EFAFB233-063F-42B5-8137-9DF3F51BA10A}">
-      <p15:sldGuideLst xmlns="" xmlns:p15="http://schemas.microsoft.com/office/powerpoint/2012/main">
+      <p15:sldGuideLst xmlns:p15="http://schemas.microsoft.com/office/powerpoint/2012/main">
         <p15:guide id="1" orient="horz" pos="2160">
           <p15:clr>
             <a:srgbClr val="A4A3A4"/>
@@ -225,7 +225,7 @@
             <a:fld id="{03643E35-CD80-874A-A3D7-254E954BB753}" type="datetimeFigureOut">
               <a:rPr lang="en-US" smtClean="0"/>
               <a:pPr/>
-              <a:t>9/14/17</a:t>
+              <a:t>4/11/19</a:t>
             </a:fld>
             <a:endParaRPr lang="en-US"/>
           </a:p>
@@ -392,7 +392,7 @@
             <a:fld id="{5C416C15-7665-174C-99B8-5B237ACA6582}" type="datetimeFigureOut">
               <a:rPr lang="en-US" smtClean="0"/>
               <a:pPr/>
-              <a:t>9/14/17</a:t>
+              <a:t>4/11/19</a:t>
             </a:fld>
             <a:endParaRPr lang="en-US"/>
           </a:p>
@@ -458,38 +458,37 @@
           <a:p>
             <a:pPr lvl="0"/>
             <a:r>
-              <a:rPr lang="en-US" smtClean="0"/>
+              <a:rPr lang="en-US"/>
               <a:t>Click to edit Master text styles</a:t>
             </a:r>
           </a:p>
           <a:p>
             <a:pPr lvl="1"/>
             <a:r>
-              <a:rPr lang="en-US" smtClean="0"/>
+              <a:rPr lang="en-US"/>
               <a:t>Second level</a:t>
             </a:r>
           </a:p>
           <a:p>
             <a:pPr lvl="2"/>
             <a:r>
-              <a:rPr lang="en-US" smtClean="0"/>
+              <a:rPr lang="en-US"/>
               <a:t>Third level</a:t>
             </a:r>
           </a:p>
           <a:p>
             <a:pPr lvl="3"/>
             <a:r>
-              <a:rPr lang="en-US" smtClean="0"/>
+              <a:rPr lang="en-US"/>
               <a:t>Fourth level</a:t>
             </a:r>
           </a:p>
           <a:p>
             <a:pPr lvl="4"/>
             <a:r>
-              <a:rPr lang="en-US" smtClean="0"/>
+              <a:rPr lang="en-US"/>
               <a:t>Fifth level</a:t>
             </a:r>
-            <a:endParaRPr lang="en-US"/>
           </a:p>
         </p:txBody>
       </p:sp>
@@ -712,11 +711,11 @@
               <a:buChar char="•"/>
             </a:pPr>
             <a:r>
-              <a:rPr lang="en-US" dirty="0" smtClean="0"/>
+              <a:rPr lang="en-US" dirty="0"/>
               <a:t>Note there</a:t>
             </a:r>
             <a:r>
-              <a:rPr lang="en-US" baseline="0" dirty="0" smtClean="0"/>
+              <a:rPr lang="en-US" baseline="0" dirty="0"/>
               <a:t> are two licenses if effect for this course. </a:t>
             </a:r>
           </a:p>
@@ -726,31 +725,31 @@
               <a:buChar char="•"/>
             </a:pPr>
             <a:r>
-              <a:rPr lang="en-US" baseline="0" dirty="0" smtClean="0"/>
+              <a:rPr lang="en-US" baseline="0" dirty="0"/>
               <a:t>All *content* (lectures, written materials, etc.) are made available under the Creative Commons Attribution-</a:t>
             </a:r>
             <a:r>
-              <a:rPr lang="en-US" baseline="0" dirty="0" err="1" smtClean="0"/>
+              <a:rPr lang="en-US" baseline="0" dirty="0" err="1"/>
               <a:t>ShareAlike</a:t>
             </a:r>
             <a:r>
-              <a:rPr lang="en-US" baseline="0" dirty="0" smtClean="0"/>
+              <a:rPr lang="en-US" baseline="0" dirty="0"/>
               <a:t> 4.0 International (CC BY-SA 4.0). (https://</a:t>
             </a:r>
             <a:r>
-              <a:rPr lang="en-US" baseline="0" dirty="0" err="1" smtClean="0"/>
+              <a:rPr lang="en-US" baseline="0" dirty="0" err="1"/>
               <a:t>creativecommons.org</a:t>
             </a:r>
             <a:r>
-              <a:rPr lang="en-US" baseline="0" dirty="0" smtClean="0"/>
+              <a:rPr lang="en-US" baseline="0" dirty="0"/>
               <a:t>/licenses/by-</a:t>
             </a:r>
             <a:r>
-              <a:rPr lang="en-US" baseline="0" dirty="0" err="1" smtClean="0"/>
+              <a:rPr lang="en-US" baseline="0" dirty="0" err="1"/>
               <a:t>sa</a:t>
             </a:r>
             <a:r>
-              <a:rPr lang="en-US" baseline="0" dirty="0" smtClean="0"/>
+              <a:rPr lang="en-US" baseline="0" dirty="0"/>
               <a:t>/4.0/).</a:t>
             </a:r>
           </a:p>
@@ -760,15 +759,15 @@
               <a:buChar char="•"/>
             </a:pPr>
             <a:r>
-              <a:rPr lang="en-US" baseline="0" dirty="0" smtClean="0"/>
+              <a:rPr lang="en-US" baseline="0" dirty="0"/>
               <a:t>All *code* (R scripts the website code itself) are made available under the MIT License (https://</a:t>
             </a:r>
             <a:r>
-              <a:rPr lang="en-US" baseline="0" dirty="0" err="1" smtClean="0"/>
+              <a:rPr lang="en-US" baseline="0" dirty="0" err="1"/>
               <a:t>opensource.org</a:t>
             </a:r>
             <a:r>
-              <a:rPr lang="en-US" baseline="0" dirty="0" smtClean="0"/>
+              <a:rPr lang="en-US" baseline="0" dirty="0"/>
               <a:t>/licenses/MIT).</a:t>
             </a:r>
             <a:endParaRPr lang="en-US" dirty="0"/>
@@ -874,22 +873,22 @@
               <a:defRPr/>
             </a:pPr>
             <a:r>
-              <a:rPr lang="en-US" dirty="0" smtClean="0"/>
+              <a:rPr lang="en-US" dirty="0"/>
               <a:t>--</a:t>
             </a:r>
             <a:r>
-              <a:rPr lang="en-US" dirty="0" err="1" smtClean="0"/>
+              <a:rPr lang="en-US" dirty="0" err="1"/>
               <a:t>minaqual</a:t>
             </a:r>
             <a:r>
-              <a:rPr lang="en-US" dirty="0" smtClean="0"/>
+              <a:rPr lang="en-US" dirty="0"/>
               <a:t> means we skip all reads with alignment quality lower than 1.</a:t>
             </a:r>
             <a:r>
-              <a:rPr lang="en-US" baseline="0" dirty="0" smtClean="0"/>
+              <a:rPr lang="en-US" baseline="0" dirty="0"/>
               <a:t>  The default for this parameter is now 10.</a:t>
             </a:r>
-            <a:endParaRPr lang="en-US" dirty="0" smtClean="0"/>
+            <a:endParaRPr lang="en-US" dirty="0"/>
           </a:p>
           <a:p>
             <a:endParaRPr lang="en-US" dirty="0"/>
@@ -978,16 +977,16 @@
           <a:lstStyle/>
           <a:p>
             <a:r>
-              <a:rPr lang="en-US" dirty="0" smtClean="0"/>
+              <a:rPr lang="en-US" dirty="0"/>
               <a:t>-m &lt;mode&gt;, --mode=&lt;mode&gt;</a:t>
             </a:r>
           </a:p>
           <a:p>
-            <a:endParaRPr lang="en-US" dirty="0" smtClean="0"/>
-          </a:p>
-          <a:p>
-            <a:r>
-              <a:rPr lang="en-US" dirty="0" smtClean="0"/>
+            <a:endParaRPr lang="en-US" dirty="0"/>
+          </a:p>
+          <a:p>
+            <a:r>
+              <a:rPr lang="en-US" dirty="0"/>
               <a:t>Mode to handle reads overlapping more than one feature. Possible values for &lt;mode&gt; are union, intersection-strict and intersection-nonempty (default: union)</a:t>
             </a:r>
           </a:p>
@@ -1097,7 +1096,7 @@
           </a:lstStyle>
           <a:p>
             <a:r>
-              <a:rPr lang="en-US" smtClean="0"/>
+              <a:rPr lang="en-US"/>
               <a:t>Click to edit Master title style</a:t>
             </a:r>
             <a:endParaRPr lang="en-US" dirty="0"/>
@@ -1219,7 +1218,7 @@
           </a:lstStyle>
           <a:p>
             <a:r>
-              <a:rPr lang="en-US" smtClean="0"/>
+              <a:rPr lang="en-US"/>
               <a:t>Click to edit Master subtitle style</a:t>
             </a:r>
             <a:endParaRPr lang="en-US" dirty="0"/>
@@ -1254,7 +1253,7 @@
           </a:lstStyle>
           <a:p>
             <a:r>
-              <a:rPr lang="en-US" smtClean="0"/>
+              <a:rPr lang="en-US"/>
               <a:t>Presenter &lt;address@genome.wustl.edu&gt;</a:t>
             </a:r>
             <a:endParaRPr lang="en-US" dirty="0"/>
@@ -1271,13 +1270,6 @@
   <p:clrMapOvr>
     <a:masterClrMapping/>
   </p:clrMapOvr>
-  <p:timing>
-    <p:tnLst>
-      <p:par>
-        <p:cTn xmlns:p14="http://schemas.microsoft.com/office/powerpoint/2010/main" id="1" dur="indefinite" restart="never" nodeType="tmRoot"/>
-      </p:par>
-    </p:tnLst>
-  </p:timing>
 </p:sldLayout>
 </file>
 
@@ -1314,7 +1306,7 @@
           <a:lstStyle/>
           <a:p>
             <a:r>
-              <a:rPr lang="en-US" smtClean="0"/>
+              <a:rPr lang="en-US"/>
               <a:t>Click to edit Master title style</a:t>
             </a:r>
             <a:endParaRPr lang="en-US" dirty="0"/>
@@ -1344,7 +1336,7 @@
           </a:lstStyle>
           <a:p>
             <a:r>
-              <a:rPr lang="en-US" smtClean="0"/>
+              <a:rPr lang="en-US"/>
               <a:t>Presenter &lt;address@genome.wustl.edu&gt;</a:t>
             </a:r>
             <a:endParaRPr lang="en-US" dirty="0"/>
@@ -1378,35 +1370,35 @@
           <a:p>
             <a:pPr lvl="0"/>
             <a:r>
-              <a:rPr lang="en-US" smtClean="0"/>
+              <a:rPr lang="en-US"/>
               <a:t>Click to edit Master text styles</a:t>
             </a:r>
           </a:p>
           <a:p>
             <a:pPr lvl="1"/>
             <a:r>
-              <a:rPr lang="en-US" smtClean="0"/>
+              <a:rPr lang="en-US"/>
               <a:t>Second level</a:t>
             </a:r>
           </a:p>
           <a:p>
             <a:pPr lvl="2"/>
             <a:r>
-              <a:rPr lang="en-US" smtClean="0"/>
+              <a:rPr lang="en-US"/>
               <a:t>Third level</a:t>
             </a:r>
           </a:p>
           <a:p>
             <a:pPr lvl="3"/>
             <a:r>
-              <a:rPr lang="en-US" smtClean="0"/>
+              <a:rPr lang="en-US"/>
               <a:t>Fourth level</a:t>
             </a:r>
           </a:p>
           <a:p>
             <a:pPr lvl="4"/>
             <a:r>
-              <a:rPr lang="en-US" smtClean="0"/>
+              <a:rPr lang="en-US"/>
               <a:t>Fifth level</a:t>
             </a:r>
             <a:endParaRPr lang="en-US" dirty="0"/>
@@ -1481,7 +1473,7 @@
           </a:lstStyle>
           <a:p>
             <a:r>
-              <a:rPr lang="en-US" smtClean="0"/>
+              <a:rPr lang="en-US"/>
               <a:t>Click to edit Master title style</a:t>
             </a:r>
             <a:endParaRPr lang="en-US" dirty="0"/>
@@ -1504,7 +1496,7 @@
           <a:lstStyle/>
           <a:p>
             <a:r>
-              <a:rPr lang="en-US" smtClean="0"/>
+              <a:rPr lang="en-US"/>
               <a:t>Presenter &lt;address@genome.wustl.edu&gt;</a:t>
             </a:r>
             <a:endParaRPr lang="en-US" dirty="0"/>
@@ -1579,10 +1571,9 @@
           </a:lstStyle>
           <a:p>
             <a:r>
-              <a:rPr lang="en-US" dirty="0" smtClean="0"/>
+              <a:rPr lang="en-US" dirty="0"/>
               <a:t>Click to edit Master section title style</a:t>
             </a:r>
-            <a:endParaRPr lang="en-US" dirty="0"/>
           </a:p>
         </p:txBody>
       </p:sp>
@@ -1701,7 +1692,7 @@
           <a:p>
             <a:pPr lvl="0"/>
             <a:r>
-              <a:rPr lang="en-US" dirty="0" smtClean="0"/>
+              <a:rPr lang="en-US" dirty="0"/>
               <a:t>Click to edit Master section subtitle styles</a:t>
             </a:r>
           </a:p>
@@ -1730,7 +1721,7 @@
           </a:lstStyle>
           <a:p>
             <a:r>
-              <a:rPr lang="en-US" smtClean="0"/>
+              <a:rPr lang="en-US"/>
               <a:t>Presenter &lt;address@genome.wustl.edu&gt;</a:t>
             </a:r>
             <a:endParaRPr lang="en-US" dirty="0"/>
@@ -1783,7 +1774,7 @@
           <a:lstStyle/>
           <a:p>
             <a:r>
-              <a:rPr lang="en-US" smtClean="0"/>
+              <a:rPr lang="en-US"/>
               <a:t>Click to edit Master title style</a:t>
             </a:r>
             <a:endParaRPr lang="en-US" dirty="0"/>
@@ -1840,35 +1831,35 @@
           <a:p>
             <a:pPr lvl="0"/>
             <a:r>
-              <a:rPr lang="en-US" smtClean="0"/>
+              <a:rPr lang="en-US"/>
               <a:t>Click to edit Master text styles</a:t>
             </a:r>
           </a:p>
           <a:p>
             <a:pPr lvl="1"/>
             <a:r>
-              <a:rPr lang="en-US" smtClean="0"/>
+              <a:rPr lang="en-US"/>
               <a:t>Second level</a:t>
             </a:r>
           </a:p>
           <a:p>
             <a:pPr lvl="2"/>
             <a:r>
-              <a:rPr lang="en-US" smtClean="0"/>
+              <a:rPr lang="en-US"/>
               <a:t>Third level</a:t>
             </a:r>
           </a:p>
           <a:p>
             <a:pPr lvl="3"/>
             <a:r>
-              <a:rPr lang="en-US" smtClean="0"/>
+              <a:rPr lang="en-US"/>
               <a:t>Fourth level</a:t>
             </a:r>
           </a:p>
           <a:p>
             <a:pPr lvl="4"/>
             <a:r>
-              <a:rPr lang="en-US" smtClean="0"/>
+              <a:rPr lang="en-US"/>
               <a:t>Fifth level</a:t>
             </a:r>
             <a:endParaRPr lang="en-US" dirty="0"/>
@@ -1925,35 +1916,35 @@
           <a:p>
             <a:pPr lvl="0"/>
             <a:r>
-              <a:rPr lang="en-US" smtClean="0"/>
+              <a:rPr lang="en-US"/>
               <a:t>Click to edit Master text styles</a:t>
             </a:r>
           </a:p>
           <a:p>
             <a:pPr lvl="1"/>
             <a:r>
-              <a:rPr lang="en-US" smtClean="0"/>
+              <a:rPr lang="en-US"/>
               <a:t>Second level</a:t>
             </a:r>
           </a:p>
           <a:p>
             <a:pPr lvl="2"/>
             <a:r>
-              <a:rPr lang="en-US" smtClean="0"/>
+              <a:rPr lang="en-US"/>
               <a:t>Third level</a:t>
             </a:r>
           </a:p>
           <a:p>
             <a:pPr lvl="3"/>
             <a:r>
-              <a:rPr lang="en-US" smtClean="0"/>
+              <a:rPr lang="en-US"/>
               <a:t>Fourth level</a:t>
             </a:r>
           </a:p>
           <a:p>
             <a:pPr lvl="4"/>
             <a:r>
-              <a:rPr lang="en-US" smtClean="0"/>
+              <a:rPr lang="en-US"/>
               <a:t>Fifth level</a:t>
             </a:r>
             <a:endParaRPr lang="en-US" dirty="0"/>
@@ -1976,7 +1967,7 @@
           <a:lstStyle/>
           <a:p>
             <a:r>
-              <a:rPr lang="en-US" smtClean="0"/>
+              <a:rPr lang="en-US"/>
               <a:t>Presenter &lt;address@genome.wustl.edu&gt;</a:t>
             </a:r>
             <a:endParaRPr lang="en-US" dirty="0"/>
@@ -2029,10 +2020,9 @@
           <a:lstStyle/>
           <a:p>
             <a:r>
-              <a:rPr lang="en-US" smtClean="0"/>
+              <a:rPr lang="en-US"/>
               <a:t>Click to edit Master title style</a:t>
             </a:r>
-            <a:endParaRPr lang="en-US"/>
           </a:p>
         </p:txBody>
       </p:sp>
@@ -2052,7 +2042,7 @@
           <a:lstStyle/>
           <a:p>
             <a:r>
-              <a:rPr lang="en-US" smtClean="0"/>
+              <a:rPr lang="en-US"/>
               <a:t>Presenter &lt;address@genome.wustl.edu&gt;</a:t>
             </a:r>
             <a:endParaRPr lang="en-US" dirty="0"/>
@@ -2116,7 +2106,7 @@
           <a:lstStyle/>
           <a:p>
             <a:r>
-              <a:rPr lang="en-US" smtClean="0"/>
+              <a:rPr lang="en-US"/>
               <a:t>Presenter &lt;address@genome.wustl.edu&gt;</a:t>
             </a:r>
             <a:endParaRPr lang="en-US" dirty="0"/>
@@ -2191,7 +2181,7 @@
           </a:lstStyle>
           <a:p>
             <a:r>
-              <a:rPr lang="en-US" smtClean="0"/>
+              <a:rPr lang="en-US"/>
               <a:t>Click to edit Master title style</a:t>
             </a:r>
             <a:endParaRPr lang="en-US" dirty="0"/>
@@ -2248,35 +2238,35 @@
           <a:p>
             <a:pPr lvl="0"/>
             <a:r>
-              <a:rPr lang="en-US" smtClean="0"/>
+              <a:rPr lang="en-US"/>
               <a:t>Click to edit Master text styles</a:t>
             </a:r>
           </a:p>
           <a:p>
             <a:pPr lvl="1"/>
             <a:r>
-              <a:rPr lang="en-US" smtClean="0"/>
+              <a:rPr lang="en-US"/>
               <a:t>Second level</a:t>
             </a:r>
           </a:p>
           <a:p>
             <a:pPr lvl="2"/>
             <a:r>
-              <a:rPr lang="en-US" smtClean="0"/>
+              <a:rPr lang="en-US"/>
               <a:t>Third level</a:t>
             </a:r>
           </a:p>
           <a:p>
             <a:pPr lvl="3"/>
             <a:r>
-              <a:rPr lang="en-US" smtClean="0"/>
+              <a:rPr lang="en-US"/>
               <a:t>Fourth level</a:t>
             </a:r>
           </a:p>
           <a:p>
             <a:pPr lvl="4"/>
             <a:r>
-              <a:rPr lang="en-US" smtClean="0"/>
+              <a:rPr lang="en-US"/>
               <a:t>Fifth level</a:t>
             </a:r>
             <a:endParaRPr lang="en-US" dirty="0"/>
@@ -2344,7 +2334,7 @@
           <a:p>
             <a:pPr lvl="0"/>
             <a:r>
-              <a:rPr lang="en-US" smtClean="0"/>
+              <a:rPr lang="en-US"/>
               <a:t>Click to edit Master text styles</a:t>
             </a:r>
           </a:p>
@@ -2366,7 +2356,7 @@
           <a:lstStyle/>
           <a:p>
             <a:r>
-              <a:rPr lang="en-US" smtClean="0"/>
+              <a:rPr lang="en-US"/>
               <a:t>Presenter &lt;address@genome.wustl.edu&gt;</a:t>
             </a:r>
             <a:endParaRPr lang="en-US" dirty="0"/>
@@ -2439,10 +2429,9 @@
           </a:lstStyle>
           <a:p>
             <a:r>
-              <a:rPr lang="en-US" smtClean="0"/>
+              <a:rPr lang="en-US"/>
               <a:t>Click to edit Master title style</a:t>
             </a:r>
-            <a:endParaRPr lang="en-US"/>
           </a:p>
         </p:txBody>
       </p:sp>
@@ -2506,7 +2495,7 @@
           </a:lstStyle>
           <a:p>
             <a:r>
-              <a:rPr lang="en-US" smtClean="0"/>
+              <a:rPr lang="en-US"/>
               <a:t>Drag picture to placeholder or click icon to add</a:t>
             </a:r>
             <a:endParaRPr lang="en-US" dirty="0"/>
@@ -2572,7 +2561,7 @@
           <a:p>
             <a:pPr lvl="0"/>
             <a:r>
-              <a:rPr lang="en-US" smtClean="0"/>
+              <a:rPr lang="en-US"/>
               <a:t>Click to edit Master text styles</a:t>
             </a:r>
           </a:p>
@@ -2594,18 +2583,17 @@
           <a:lstStyle/>
           <a:p>
             <a:r>
-              <a:rPr lang="en-US" dirty="0" smtClean="0"/>
+              <a:rPr lang="en-US" dirty="0"/>
               <a:t>Presenter &lt;</a:t>
             </a:r>
             <a:r>
-              <a:rPr lang="en-US" dirty="0" err="1" smtClean="0"/>
+              <a:rPr lang="en-US" dirty="0" err="1"/>
               <a:t>address@genome.wustl.edu</a:t>
             </a:r>
             <a:r>
-              <a:rPr lang="en-US" dirty="0" smtClean="0"/>
+              <a:rPr lang="en-US" dirty="0"/>
               <a:t>&gt;</a:t>
             </a:r>
-            <a:endParaRPr lang="en-US" dirty="0"/>
           </a:p>
         </p:txBody>
       </p:sp>
@@ -2676,7 +2664,7 @@
           <a:lstStyle/>
           <a:p>
             <a:r>
-              <a:rPr lang="en-US" smtClean="0"/>
+              <a:rPr lang="en-US"/>
               <a:t>Click to edit Master title style</a:t>
             </a:r>
             <a:endParaRPr lang="en-US" dirty="0"/>
@@ -2710,35 +2698,35 @@
           <a:p>
             <a:pPr lvl="0"/>
             <a:r>
-              <a:rPr lang="en-US" smtClean="0"/>
+              <a:rPr lang="en-US"/>
               <a:t>Click to edit Master text styles</a:t>
             </a:r>
           </a:p>
           <a:p>
             <a:pPr lvl="1"/>
             <a:r>
-              <a:rPr lang="en-US" smtClean="0"/>
+              <a:rPr lang="en-US"/>
               <a:t>Second level</a:t>
             </a:r>
           </a:p>
           <a:p>
             <a:pPr lvl="2"/>
             <a:r>
-              <a:rPr lang="en-US" smtClean="0"/>
+              <a:rPr lang="en-US"/>
               <a:t>Third level</a:t>
             </a:r>
           </a:p>
           <a:p>
             <a:pPr lvl="3"/>
             <a:r>
-              <a:rPr lang="en-US" smtClean="0"/>
+              <a:rPr lang="en-US"/>
               <a:t>Fourth level</a:t>
             </a:r>
           </a:p>
           <a:p>
             <a:pPr lvl="4"/>
             <a:r>
-              <a:rPr lang="en-US" smtClean="0"/>
+              <a:rPr lang="en-US"/>
               <a:t>Fifth level</a:t>
             </a:r>
             <a:endParaRPr lang="en-US" dirty="0"/>
@@ -2781,7 +2769,7 @@
           </a:lstStyle>
           <a:p>
             <a:r>
-              <a:rPr lang="en-US" smtClean="0"/>
+              <a:rPr lang="en-US"/>
               <a:t>Presenter &lt;address@genome.wustl.edu&gt;</a:t>
             </a:r>
             <a:endParaRPr lang="en-US" dirty="0"/>
@@ -3174,21 +3162,20 @@
           <a:lstStyle/>
           <a:p>
             <a:r>
-              <a:rPr lang="en-US" dirty="0" err="1" smtClean="0"/>
+              <a:rPr lang="en-US" dirty="0" err="1"/>
               <a:t>GenViz</a:t>
             </a:r>
             <a:r>
-              <a:rPr lang="en-US" dirty="0" smtClean="0"/>
+              <a:rPr lang="en-US" dirty="0"/>
               <a:t> Module 4:</a:t>
             </a:r>
             <a:br>
-              <a:rPr lang="en-US" dirty="0" smtClean="0"/>
+              <a:rPr lang="en-US" dirty="0"/>
             </a:br>
             <a:r>
-              <a:rPr lang="en-US" dirty="0" smtClean="0"/>
+              <a:rPr lang="en-US" dirty="0"/>
               <a:t>Expression profiling, visualization, and interpretation</a:t>
             </a:r>
-            <a:endParaRPr lang="en-US" dirty="0"/>
           </a:p>
         </p:txBody>
       </p:sp>
@@ -3216,34 +3203,38 @@
           <a:p>
             <a:pPr algn="r"/>
             <a:r>
-              <a:rPr lang="en-US" sz="1800" dirty="0" smtClean="0"/>
+              <a:rPr lang="en-US" sz="1800" dirty="0"/>
               <a:t>Malachi Griffith, Obi Griffith, Zachary Skidmore</a:t>
             </a:r>
           </a:p>
           <a:p>
             <a:pPr algn="r"/>
             <a:r>
-              <a:rPr lang="en-US" sz="1800" dirty="0" smtClean="0"/>
+              <a:rPr lang="en-US" sz="1800" dirty="0"/>
               <a:t>Genomic Data Visualization and Interpretation</a:t>
             </a:r>
           </a:p>
           <a:p>
             <a:pPr algn="r"/>
             <a:r>
-              <a:rPr lang="en-US" sz="1800" dirty="0" smtClean="0"/>
-              <a:t>September 11-15, 2017</a:t>
+              <a:rPr lang="en-US" sz="1800" dirty="0"/>
+              <a:t>April 8-12, 2019</a:t>
             </a:r>
           </a:p>
           <a:p>
             <a:pPr algn="r"/>
             <a:r>
-              <a:rPr lang="en-US" sz="1800" dirty="0" smtClean="0"/>
-              <a:t>Berlin </a:t>
+              <a:rPr lang="en-US" sz="1800" dirty="0" err="1"/>
+              <a:t>Freie</a:t>
+            </a:r>
+            <a:r>
+              <a:rPr lang="en-US" sz="1800" dirty="0"/>
+              <a:t> Universität Berlin</a:t>
             </a:r>
           </a:p>
           <a:p>
             <a:pPr algn="r"/>
-            <a:endParaRPr lang="en-US" sz="1800" dirty="0" smtClean="0"/>
+            <a:endParaRPr lang="en-US" sz="1800" dirty="0"/>
           </a:p>
           <a:p>
             <a:pPr algn="r"/>
@@ -3336,13 +3327,6 @@
   <p:clrMapOvr>
     <a:masterClrMapping/>
   </p:clrMapOvr>
-  <p:timing>
-    <p:tnLst>
-      <p:par>
-        <p:cTn xmlns:p14="http://schemas.microsoft.com/office/powerpoint/2010/main" id="1" dur="indefinite" restart="never" nodeType="tmRoot"/>
-      </p:par>
-    </p:tnLst>
-  </p:timing>
 </p:sld>
 </file>
 
@@ -3437,10 +3421,9 @@
           <a:lstStyle/>
           <a:p>
             <a:r>
-              <a:rPr lang="en-US" sz="1800" dirty="0" smtClean="0"/>
+              <a:rPr lang="en-US" sz="1800" dirty="0"/>
               <a:t>Whether a read is counted depends on the nature of overlap and “mode” selected</a:t>
             </a:r>
-            <a:endParaRPr lang="en-US" sz="1800" dirty="0"/>
           </a:p>
         </p:txBody>
       </p:sp>
@@ -3490,18 +3473,11 @@
           <a:lstStyle/>
           <a:p>
             <a:r>
-              <a:rPr lang="en-US" dirty="0" smtClean="0">
-                <a:latin typeface="Calibri" charset="0"/>
-                <a:ea typeface="ＭＳ Ｐゴシック" charset="0"/>
-              </a:rPr>
-              <a:t>Differential </a:t>
-            </a:r>
-            <a:r>
-              <a:rPr lang="en-US" dirty="0">
-                <a:latin typeface="Calibri" charset="0"/>
-                <a:ea typeface="ＭＳ Ｐゴシック" charset="0"/>
-              </a:rPr>
-              <a:t>expression methods</a:t>
+              <a:rPr lang="en-US" dirty="0">
+                <a:latin typeface="Calibri" charset="0"/>
+                <a:ea typeface="ＭＳ Ｐゴシック" charset="0"/>
+              </a:rPr>
+              <a:t>Differential expression methods</a:t>
             </a:r>
             <a:endParaRPr lang="en-US" dirty="0"/>
           </a:p>
@@ -3525,31 +3501,17 @@
           <a:lstStyle/>
           <a:p>
             <a:r>
-              <a:rPr lang="en-US" dirty="0" smtClean="0">
-                <a:latin typeface="Calibri" charset="0"/>
-                <a:ea typeface="ＭＳ Ｐゴシック" charset="0"/>
-              </a:rPr>
-              <a:t>Raw </a:t>
-            </a:r>
-            <a:r>
-              <a:rPr lang="en-US" dirty="0">
-                <a:latin typeface="Calibri" charset="0"/>
-                <a:ea typeface="ＭＳ Ｐゴシック" charset="0"/>
-              </a:rPr>
-              <a:t>count </a:t>
-            </a:r>
-            <a:r>
-              <a:rPr lang="en-US" dirty="0" smtClean="0">
-                <a:latin typeface="Calibri" charset="0"/>
-                <a:ea typeface="ＭＳ Ｐゴシック" charset="0"/>
-              </a:rPr>
-              <a:t>approaches (gene level)</a:t>
+              <a:rPr lang="en-US" dirty="0">
+                <a:latin typeface="Calibri" charset="0"/>
+                <a:ea typeface="ＭＳ Ｐゴシック" charset="0"/>
+              </a:rPr>
+              <a:t>Raw count approaches (gene level)</a:t>
             </a:r>
           </a:p>
           <a:p>
             <a:pPr lvl="1"/>
             <a:r>
-              <a:rPr lang="en-US" dirty="0" smtClean="0">
+              <a:rPr lang="en-US" dirty="0">
                 <a:latin typeface="Calibri" charset="0"/>
                 <a:ea typeface="ＭＳ Ｐゴシック" charset="0"/>
                 <a:hlinkClick r:id="rId2"/>
@@ -3560,146 +3522,6 @@
               <a:latin typeface="Calibri" charset="0"/>
               <a:ea typeface="ＭＳ Ｐゴシック" charset="0"/>
             </a:endParaRPr>
-          </a:p>
-          <a:p>
-            <a:pPr lvl="1"/>
-            <a:endParaRPr lang="en-US" dirty="0" smtClean="0">
-              <a:latin typeface="Calibri" charset="0"/>
-              <a:ea typeface="ＭＳ Ｐゴシック" charset="0"/>
-            </a:endParaRPr>
-          </a:p>
-          <a:p>
-            <a:pPr lvl="1"/>
-            <a:r>
-              <a:rPr lang="en-US" dirty="0" smtClean="0">
-                <a:latin typeface="Calibri" charset="0"/>
-                <a:ea typeface="ＭＳ Ｐゴシック" charset="0"/>
-                <a:hlinkClick r:id="rId3"/>
-              </a:rPr>
-              <a:t>edgeR</a:t>
-            </a:r>
-            <a:endParaRPr lang="en-US" dirty="0" smtClean="0">
-              <a:latin typeface="Calibri" charset="0"/>
-              <a:ea typeface="ＭＳ Ｐゴシック" charset="0"/>
-            </a:endParaRPr>
-          </a:p>
-          <a:p>
-            <a:pPr lvl="1"/>
-            <a:endParaRPr lang="en-US" dirty="0" smtClean="0">
-              <a:latin typeface="Calibri" charset="0"/>
-              <a:ea typeface="ＭＳ Ｐゴシック" charset="0"/>
-            </a:endParaRPr>
-          </a:p>
-          <a:p>
-            <a:pPr lvl="1"/>
-            <a:r>
-              <a:rPr lang="en-US" dirty="0" smtClean="0">
-                <a:latin typeface="Calibri" charset="0"/>
-                <a:ea typeface="ＭＳ Ｐゴシック" charset="0"/>
-              </a:rPr>
-              <a:t>Many others…</a:t>
-            </a:r>
-          </a:p>
-          <a:p>
-            <a:endParaRPr lang="en-US" dirty="0">
-              <a:latin typeface="Calibri" charset="0"/>
-              <a:ea typeface="ＭＳ Ｐゴシック" charset="0"/>
-            </a:endParaRPr>
-          </a:p>
-          <a:p>
-            <a:r>
-              <a:rPr lang="en-US" dirty="0">
-                <a:latin typeface="Calibri" charset="0"/>
-                <a:ea typeface="ＭＳ Ｐゴシック" charset="0"/>
-              </a:rPr>
-              <a:t>FPKM approaches (for transcript level)</a:t>
-            </a:r>
-          </a:p>
-          <a:p>
-            <a:pPr lvl="1"/>
-            <a:r>
-              <a:rPr lang="en-US" dirty="0" err="1" smtClean="0">
-                <a:latin typeface="Calibri" charset="0"/>
-                <a:ea typeface="ＭＳ Ｐゴシック" charset="0"/>
-                <a:hlinkClick r:id="rId4"/>
-              </a:rPr>
-              <a:t>Ballgown</a:t>
-            </a:r>
-            <a:endParaRPr lang="en-US" dirty="0" smtClean="0">
-              <a:latin typeface="Calibri" charset="0"/>
-              <a:ea typeface="ＭＳ Ｐゴシック" charset="0"/>
-            </a:endParaRPr>
-          </a:p>
-          <a:p>
-            <a:pPr lvl="2"/>
-            <a:r>
-              <a:rPr lang="en-US" dirty="0" smtClean="0">
-                <a:latin typeface="Calibri" charset="0"/>
-                <a:ea typeface="ＭＳ Ｐゴシック" charset="0"/>
-              </a:rPr>
-              <a:t>Helpful explanation (</a:t>
-            </a:r>
-            <a:r>
-              <a:rPr lang="en-US" dirty="0" smtClean="0">
-                <a:latin typeface="Calibri" charset="0"/>
-                <a:ea typeface="ＭＳ Ｐゴシック" charset="0"/>
-                <a:hlinkClick r:id="rId5"/>
-              </a:rPr>
-              <a:t>PMID: </a:t>
-            </a:r>
-            <a:r>
-              <a:rPr lang="cs-CZ" dirty="0">
-                <a:latin typeface="Calibri" charset="0"/>
-                <a:ea typeface="ＭＳ Ｐゴシック" charset="0"/>
-                <a:hlinkClick r:id="rId5"/>
-              </a:rPr>
-              <a:t>25748911</a:t>
-            </a:r>
-            <a:r>
-              <a:rPr lang="en-US" dirty="0" smtClean="0">
-                <a:latin typeface="Calibri" charset="0"/>
-                <a:ea typeface="ＭＳ Ｐゴシック" charset="0"/>
-              </a:rPr>
-              <a:t>) </a:t>
-            </a:r>
-          </a:p>
-          <a:p>
-            <a:pPr lvl="2"/>
-            <a:r>
-              <a:rPr lang="en-US" dirty="0" smtClean="0">
-                <a:latin typeface="Calibri" charset="0"/>
-                <a:ea typeface="ＭＳ Ｐゴシック" charset="0"/>
-              </a:rPr>
-              <a:t>Many </a:t>
-            </a:r>
-            <a:r>
-              <a:rPr lang="en-US" dirty="0" smtClean="0">
-                <a:latin typeface="Calibri" charset="0"/>
-                <a:ea typeface="ＭＳ Ｐゴシック" charset="0"/>
-              </a:rPr>
-              <a:t>others (</a:t>
-            </a:r>
-            <a:r>
-              <a:rPr lang="en-US" dirty="0" err="1" smtClean="0">
-                <a:latin typeface="Calibri" charset="0"/>
-                <a:ea typeface="ＭＳ Ｐゴシック" charset="0"/>
-              </a:rPr>
-              <a:t>EBSeq</a:t>
-            </a:r>
-            <a:r>
-              <a:rPr lang="en-US" dirty="0" smtClean="0">
-                <a:latin typeface="Calibri" charset="0"/>
-                <a:ea typeface="ＭＳ Ｐゴシック" charset="0"/>
-              </a:rPr>
-              <a:t>, etc.</a:t>
-            </a:r>
-            <a:r>
-              <a:rPr lang="en-US" dirty="0" smtClean="0">
-                <a:latin typeface="Calibri" charset="0"/>
-                <a:ea typeface="ＭＳ Ｐゴシック" charset="0"/>
-              </a:rPr>
-              <a:t>)</a:t>
-            </a:r>
           </a:p>
           <a:p>
             <a:pPr lvl="1"/>
@@ -3709,38 +3531,14 @@
             </a:endParaRPr>
           </a:p>
           <a:p>
-            <a:r>
-              <a:rPr lang="en-US" dirty="0" smtClean="0">
-                <a:latin typeface="Calibri" charset="0"/>
-                <a:ea typeface="ＭＳ Ｐゴシック" charset="0"/>
-              </a:rPr>
-              <a:t>TPM approaches</a:t>
-            </a:r>
-          </a:p>
-          <a:p>
             <a:pPr lvl="1"/>
             <a:r>
-              <a:rPr lang="en-US" dirty="0" err="1" smtClean="0">
-                <a:latin typeface="Calibri" charset="0"/>
-                <a:ea typeface="ＭＳ Ｐゴシック" charset="0"/>
-                <a:hlinkClick r:id="rId6"/>
-              </a:rPr>
-              <a:t>Kallisto</a:t>
-            </a:r>
-            <a:r>
-              <a:rPr lang="en-US" dirty="0" smtClean="0">
-                <a:latin typeface="Calibri" charset="0"/>
-                <a:ea typeface="ＭＳ Ｐゴシック" charset="0"/>
-              </a:rPr>
-              <a:t>/</a:t>
-            </a:r>
-            <a:r>
-              <a:rPr lang="en-US" dirty="0" smtClean="0">
-                <a:latin typeface="Calibri" charset="0"/>
-                <a:ea typeface="ＭＳ Ｐゴシック" charset="0"/>
-                <a:hlinkClick r:id="rId7"/>
-              </a:rPr>
-              <a:t>Sleuth</a:t>
+              <a:rPr lang="en-US" dirty="0">
+                <a:latin typeface="Calibri" charset="0"/>
+                <a:ea typeface="ＭＳ Ｐゴシック" charset="0"/>
+                <a:hlinkClick r:id="rId3"/>
+              </a:rPr>
+              <a:t>edgeR</a:t>
             </a:r>
             <a:endParaRPr lang="en-US" dirty="0">
               <a:latin typeface="Calibri" charset="0"/>
@@ -3755,10 +3553,160 @@
             </a:endParaRPr>
           </a:p>
           <a:p>
+            <a:pPr lvl="1"/>
+            <a:r>
+              <a:rPr lang="en-US" dirty="0">
+                <a:latin typeface="Calibri" charset="0"/>
+                <a:ea typeface="ＭＳ Ｐゴシック" charset="0"/>
+              </a:rPr>
+              <a:t>Many others…</a:t>
+            </a:r>
+          </a:p>
+          <a:p>
+            <a:endParaRPr lang="en-US" dirty="0">
+              <a:latin typeface="Calibri" charset="0"/>
+              <a:ea typeface="ＭＳ Ｐゴシック" charset="0"/>
+            </a:endParaRPr>
+          </a:p>
+          <a:p>
+            <a:r>
+              <a:rPr lang="en-US" dirty="0">
+                <a:latin typeface="Calibri" charset="0"/>
+                <a:ea typeface="ＭＳ Ｐゴシック" charset="0"/>
+              </a:rPr>
+              <a:t>FPKM approaches (for transcript level)</a:t>
+            </a:r>
+          </a:p>
+          <a:p>
+            <a:pPr lvl="1"/>
+            <a:r>
+              <a:rPr lang="en-US" dirty="0" err="1">
+                <a:latin typeface="Calibri" charset="0"/>
+                <a:ea typeface="ＭＳ Ｐゴシック" charset="0"/>
+                <a:hlinkClick r:id="rId4"/>
+              </a:rPr>
+              <a:t>Ballgown</a:t>
+            </a:r>
+            <a:endParaRPr lang="en-US" dirty="0">
+              <a:latin typeface="Calibri" charset="0"/>
+              <a:ea typeface="ＭＳ Ｐゴシック" charset="0"/>
+            </a:endParaRPr>
+          </a:p>
+          <a:p>
+            <a:pPr lvl="2"/>
+            <a:r>
+              <a:rPr lang="en-US" dirty="0">
+                <a:latin typeface="Calibri" charset="0"/>
+                <a:ea typeface="ＭＳ Ｐゴシック" charset="0"/>
+              </a:rPr>
+              <a:t>Helpful explanation (</a:t>
+            </a:r>
+            <a:r>
+              <a:rPr lang="en-US" dirty="0">
+                <a:latin typeface="Calibri" charset="0"/>
+                <a:ea typeface="ＭＳ Ｐゴシック" charset="0"/>
+                <a:hlinkClick r:id="rId5"/>
+              </a:rPr>
+              <a:t>PMID: </a:t>
+            </a:r>
+            <a:r>
+              <a:rPr lang="cs-CZ" dirty="0">
+                <a:latin typeface="Calibri" charset="0"/>
+                <a:ea typeface="ＭＳ Ｐゴシック" charset="0"/>
+                <a:hlinkClick r:id="rId5"/>
+              </a:rPr>
+              <a:t>25748911</a:t>
+            </a:r>
+            <a:r>
+              <a:rPr lang="en-US" dirty="0">
+                <a:latin typeface="Calibri" charset="0"/>
+                <a:ea typeface="ＭＳ Ｐゴシック" charset="0"/>
+              </a:rPr>
+              <a:t>) </a:t>
+            </a:r>
+          </a:p>
+          <a:p>
+            <a:pPr lvl="2"/>
+            <a:r>
+              <a:rPr lang="en-US" dirty="0">
+                <a:latin typeface="Calibri" charset="0"/>
+                <a:ea typeface="ＭＳ Ｐゴシック" charset="0"/>
+              </a:rPr>
+              <a:t>Many others (</a:t>
+            </a:r>
+            <a:r>
+              <a:rPr lang="en-US" dirty="0" err="1">
+                <a:latin typeface="Calibri" charset="0"/>
+                <a:ea typeface="ＭＳ Ｐゴシック" charset="0"/>
+              </a:rPr>
+              <a:t>EBSeq</a:t>
+            </a:r>
+            <a:r>
+              <a:rPr lang="en-US" dirty="0">
+                <a:latin typeface="Calibri" charset="0"/>
+                <a:ea typeface="ＭＳ Ｐゴシック" charset="0"/>
+              </a:rPr>
+              <a:t>, etc.)</a:t>
+            </a:r>
+          </a:p>
+          <a:p>
+            <a:pPr lvl="1"/>
+            <a:endParaRPr lang="en-US" dirty="0">
+              <a:latin typeface="Calibri" charset="0"/>
+              <a:ea typeface="ＭＳ Ｐゴシック" charset="0"/>
+            </a:endParaRPr>
+          </a:p>
+          <a:p>
+            <a:r>
+              <a:rPr lang="en-US" dirty="0">
+                <a:latin typeface="Calibri" charset="0"/>
+                <a:ea typeface="ＭＳ Ｐゴシック" charset="0"/>
+              </a:rPr>
+              <a:t>TPM approaches</a:t>
+            </a:r>
+          </a:p>
+          <a:p>
+            <a:pPr lvl="1"/>
+            <a:r>
+              <a:rPr lang="en-US" dirty="0" err="1">
+                <a:latin typeface="Calibri" charset="0"/>
+                <a:ea typeface="ＭＳ Ｐゴシック" charset="0"/>
+                <a:hlinkClick r:id="rId6"/>
+              </a:rPr>
+              <a:t>Kallisto</a:t>
+            </a:r>
+            <a:r>
+              <a:rPr lang="en-US" dirty="0">
+                <a:latin typeface="Calibri" charset="0"/>
+                <a:ea typeface="ＭＳ Ｐゴシック" charset="0"/>
+              </a:rPr>
+              <a:t>/</a:t>
+            </a:r>
+            <a:r>
+              <a:rPr lang="en-US" dirty="0">
+                <a:latin typeface="Calibri" charset="0"/>
+                <a:ea typeface="ＭＳ Ｐゴシック" charset="0"/>
+                <a:hlinkClick r:id="rId7"/>
+              </a:rPr>
+              <a:t>Sleuth</a:t>
+            </a:r>
+            <a:endParaRPr lang="en-US" dirty="0">
+              <a:latin typeface="Calibri" charset="0"/>
+              <a:ea typeface="ＭＳ Ｐゴシック" charset="0"/>
+            </a:endParaRPr>
+          </a:p>
+          <a:p>
+            <a:pPr lvl="1"/>
+            <a:endParaRPr lang="en-US" dirty="0">
+              <a:latin typeface="Calibri" charset="0"/>
+              <a:ea typeface="ＭＳ Ｐゴシック" charset="0"/>
+            </a:endParaRPr>
+          </a:p>
+          <a:p>
             <a:pPr marL="0" indent="0">
               <a:buNone/>
             </a:pPr>
-            <a:endParaRPr lang="en-US" dirty="0" smtClean="0"/>
+            <a:endParaRPr lang="en-US" dirty="0"/>
           </a:p>
           <a:p>
             <a:pPr marL="0" indent="0">
@@ -3869,7 +3817,7 @@
           <a:p>
             <a:pPr lvl="1"/>
             <a:r>
-              <a:rPr lang="en-US" dirty="0" smtClean="0">
+              <a:rPr lang="en-US" dirty="0">
                 <a:latin typeface="Calibri" charset="0"/>
                 <a:ea typeface="ＭＳ Ｐゴシック" charset="0"/>
               </a:rPr>
@@ -3894,21 +3842,7 @@
                 <a:latin typeface="Calibri" charset="0"/>
                 <a:ea typeface="ＭＳ Ｐゴシック" charset="0"/>
               </a:rPr>
-              <a:t>Good for </a:t>
-            </a:r>
-            <a:r>
-              <a:rPr lang="en-US" dirty="0" smtClean="0">
-                <a:latin typeface="Calibri" charset="0"/>
-                <a:ea typeface="ＭＳ Ｐゴシック" charset="0"/>
-              </a:rPr>
-              <a:t>straight visualization </a:t>
-            </a:r>
-            <a:r>
-              <a:rPr lang="en-US" dirty="0">
-                <a:latin typeface="Calibri" charset="0"/>
-                <a:ea typeface="ＭＳ Ｐゴシック" charset="0"/>
-              </a:rPr>
-              <a:t>(e.g., </a:t>
+              <a:t>Good for straight visualization (e.g., </a:t>
             </a:r>
             <a:r>
               <a:rPr lang="en-US" dirty="0" err="1">
@@ -4095,39 +4029,38 @@
           <a:bodyPr/>
           <a:lstStyle/>
           <a:p>
-            <a:endParaRPr lang="en-US" dirty="0" smtClean="0"/>
-          </a:p>
-          <a:p>
             <a:endParaRPr lang="en-US" dirty="0"/>
           </a:p>
           <a:p>
-            <a:endParaRPr lang="en-US" dirty="0" smtClean="0"/>
-          </a:p>
-          <a:p>
             <a:endParaRPr lang="en-US" dirty="0"/>
           </a:p>
           <a:p>
-            <a:endParaRPr lang="en-US" dirty="0" smtClean="0"/>
+            <a:endParaRPr lang="en-US" dirty="0"/>
+          </a:p>
+          <a:p>
+            <a:endParaRPr lang="en-US" dirty="0"/>
+          </a:p>
+          <a:p>
+            <a:endParaRPr lang="en-US" dirty="0"/>
           </a:p>
           <a:p>
             <a:pPr marL="0" indent="0" algn="ctr">
               <a:buNone/>
             </a:pPr>
             <a:r>
-              <a:rPr lang="en-US" dirty="0" smtClean="0"/>
+              <a:rPr lang="en-US" dirty="0"/>
               <a:t>Refer to </a:t>
             </a:r>
             <a:r>
-              <a:rPr lang="en-US" dirty="0" smtClean="0">
+              <a:rPr lang="en-US" dirty="0">
                 <a:hlinkClick r:id="rId2"/>
               </a:rPr>
               <a:t>www.rnaseq.wiki</a:t>
             </a:r>
             <a:r>
-              <a:rPr lang="en-US" dirty="0" smtClean="0"/>
+              <a:rPr lang="en-US" dirty="0"/>
               <a:t> for many, many more details, resources and exercises</a:t>
             </a:r>
-            <a:endParaRPr lang="en-US" dirty="0"/>
           </a:p>
         </p:txBody>
       </p:sp>
@@ -4248,13 +4181,6 @@
   <p:clrMapOvr>
     <a:masterClrMapping/>
   </p:clrMapOvr>
-  <p:timing>
-    <p:tnLst>
-      <p:par>
-        <p:cTn xmlns:p14="http://schemas.microsoft.com/office/powerpoint/2010/main" id="1" dur="indefinite" restart="never" nodeType="tmRoot"/>
-      </p:par>
-    </p:tnLst>
-  </p:timing>
 </p:sld>
 </file>
 
@@ -4291,10 +4217,9 @@
           <a:lstStyle/>
           <a:p>
             <a:r>
-              <a:rPr lang="en-US" dirty="0" smtClean="0"/>
+              <a:rPr lang="en-US" dirty="0"/>
               <a:t>Learning objectives of the course</a:t>
             </a:r>
-            <a:endParaRPr lang="en-US" dirty="0"/>
           </a:p>
         </p:txBody>
       </p:sp>
@@ -4316,74 +4241,43 @@
           <a:lstStyle/>
           <a:p>
             <a:r>
-              <a:rPr lang="en-US" dirty="0" smtClean="0"/>
-              <a:t>Module 1: </a:t>
-            </a:r>
-            <a:r>
               <a:rPr lang="en-US" dirty="0"/>
-              <a:t>Introduction to genomic data visualization and interpretation</a:t>
-            </a:r>
-            <a:endParaRPr lang="en-US" dirty="0" smtClean="0"/>
-          </a:p>
-          <a:p>
-            <a:r>
-              <a:rPr lang="en-US" dirty="0" smtClean="0"/>
-              <a:t>Module 2</a:t>
-            </a:r>
+              <a:t>Module 1: Introduction to genomic data visualization and interpretation</a:t>
+            </a:r>
+          </a:p>
+          <a:p>
             <a:r>
               <a:rPr lang="en-US" dirty="0"/>
-              <a:t>: Using R for genomic data visualization and </a:t>
-            </a:r>
-            <a:r>
-              <a:rPr lang="en-US" dirty="0" smtClean="0"/>
-              <a:t>interpretation</a:t>
-            </a:r>
-          </a:p>
-          <a:p>
-            <a:r>
-              <a:rPr lang="en-US" dirty="0" smtClean="0"/>
-              <a:t>Module 3: </a:t>
-            </a:r>
+              <a:t>Module 2: Using R for genomic data visualization and interpretation</a:t>
+            </a:r>
+          </a:p>
+          <a:p>
             <a:r>
               <a:rPr lang="en-US" dirty="0"/>
-              <a:t>Introduction to </a:t>
-            </a:r>
-            <a:r>
-              <a:rPr lang="en-US" dirty="0" err="1" smtClean="0"/>
+              <a:t>Module 3: Introduction to </a:t>
+            </a:r>
+            <a:r>
+              <a:rPr lang="en-US" dirty="0" err="1"/>
               <a:t>GenVisR</a:t>
             </a:r>
-            <a:endParaRPr lang="en-US" dirty="0" smtClean="0"/>
+            <a:endParaRPr lang="en-US" dirty="0"/>
           </a:p>
           <a:p>
             <a:r>
               <a:rPr lang="en-US" b="1" dirty="0"/>
               <a:t>Module 4: Expression profiling, visualization, and interpretation</a:t>
             </a:r>
-            <a:endParaRPr lang="en-US" b="1" dirty="0" smtClean="0"/>
-          </a:p>
-          <a:p>
-            <a:r>
-              <a:rPr lang="en-US" dirty="0" smtClean="0"/>
-              <a:t>Module 5</a:t>
-            </a:r>
+          </a:p>
+          <a:p>
             <a:r>
               <a:rPr lang="en-US" dirty="0"/>
-              <a:t>: Variant annotation and interpretation</a:t>
-            </a:r>
-            <a:endParaRPr lang="en-US" dirty="0" smtClean="0"/>
-          </a:p>
-          <a:p>
-            <a:r>
-              <a:rPr lang="en-US" dirty="0" smtClean="0"/>
-              <a:t>Module 6</a:t>
-            </a:r>
+              <a:t>Module 5: Variant annotation and interpretation</a:t>
+            </a:r>
+          </a:p>
+          <a:p>
             <a:r>
               <a:rPr lang="en-US" dirty="0"/>
-              <a:t>: Q &amp; A, discussion, integrated assignments, and working with your own </a:t>
-            </a:r>
-            <a:r>
-              <a:rPr lang="en-US" dirty="0" smtClean="0"/>
-              <a:t>data</a:t>
+              <a:t>Module 6: Q &amp; A, discussion, integrated assignments, and working with your own data</a:t>
             </a:r>
           </a:p>
           <a:p>
@@ -4391,24 +4285,23 @@
           </a:p>
           <a:p>
             <a:r>
-              <a:rPr lang="en-US" dirty="0" smtClean="0"/>
+              <a:rPr lang="en-US" dirty="0"/>
               <a:t>Tutorials</a:t>
             </a:r>
           </a:p>
           <a:p>
             <a:pPr lvl="1"/>
             <a:r>
-              <a:rPr lang="en-US" dirty="0" smtClean="0"/>
+              <a:rPr lang="en-US" dirty="0"/>
               <a:t>Provide working examples of data visualization and interpretation</a:t>
             </a:r>
           </a:p>
           <a:p>
             <a:pPr lvl="1"/>
             <a:r>
-              <a:rPr lang="en-US" dirty="0" smtClean="0"/>
+              <a:rPr lang="en-US" dirty="0"/>
               <a:t>Self contained, self explanatory, portable </a:t>
             </a:r>
-            <a:endParaRPr lang="en-US" dirty="0"/>
           </a:p>
         </p:txBody>
       </p:sp>
@@ -4422,13 +4315,6 @@
   <p:clrMapOvr>
     <a:masterClrMapping/>
   </p:clrMapOvr>
-  <p:timing>
-    <p:tnLst>
-      <p:par>
-        <p:cTn xmlns:p14="http://schemas.microsoft.com/office/powerpoint/2010/main" id="1" dur="indefinite" restart="never" nodeType="tmRoot"/>
-      </p:par>
-    </p:tnLst>
-  </p:timing>
 </p:sld>
 </file>
 
@@ -4465,10 +4351,9 @@
           <a:lstStyle/>
           <a:p>
             <a:r>
-              <a:rPr lang="en-US" dirty="0" smtClean="0"/>
+              <a:rPr lang="en-US" dirty="0"/>
               <a:t>Learning objectives of module 4</a:t>
             </a:r>
-            <a:endParaRPr lang="en-US" dirty="0"/>
           </a:p>
         </p:txBody>
       </p:sp>
@@ -4489,11 +4374,7 @@
           <a:p>
             <a:r>
               <a:rPr lang="en-US" dirty="0"/>
-              <a:t>Expression profiling, visualization, and </a:t>
-            </a:r>
-            <a:r>
-              <a:rPr lang="en-US" dirty="0" smtClean="0"/>
-              <a:t>interpretation</a:t>
+              <a:t>Expression profiling, visualization, and interpretation</a:t>
             </a:r>
           </a:p>
           <a:p>
@@ -4503,14 +4384,7 @@
                 <a:latin typeface="Calibri" charset="0"/>
                 <a:ea typeface="ＭＳ Ｐゴシック" charset="0"/>
               </a:rPr>
-              <a:t>Expression estimation for known genes </a:t>
-            </a:r>
-            <a:r>
-              <a:rPr lang="en-US" dirty="0" smtClean="0">
-                <a:latin typeface="Calibri" charset="0"/>
-                <a:ea typeface="ＭＳ Ｐゴシック" charset="0"/>
-              </a:rPr>
-              <a:t>(concepts)</a:t>
+              <a:t>Expression estimation for known genes (concepts)</a:t>
             </a:r>
           </a:p>
           <a:p>
@@ -4530,14 +4404,7 @@
                 <a:latin typeface="Calibri" charset="0"/>
                 <a:ea typeface="ＭＳ Ｐゴシック" charset="0"/>
               </a:rPr>
-              <a:t>Differential expression </a:t>
-            </a:r>
-            <a:r>
-              <a:rPr lang="en-US" dirty="0" smtClean="0">
-                <a:latin typeface="Calibri" charset="0"/>
-                <a:ea typeface="ＭＳ Ｐゴシック" charset="0"/>
-              </a:rPr>
-              <a:t>methods (DESeq2)</a:t>
+              <a:t>Differential expression methods (DESeq2)</a:t>
             </a:r>
           </a:p>
           <a:p>
@@ -4573,13 +4440,6 @@
   <p:clrMapOvr>
     <a:masterClrMapping/>
   </p:clrMapOvr>
-  <p:timing>
-    <p:tnLst>
-      <p:par>
-        <p:cTn xmlns:p14="http://schemas.microsoft.com/office/powerpoint/2010/main" id="1" dur="indefinite" restart="never" nodeType="tmRoot"/>
-      </p:par>
-    </p:tnLst>
-  </p:timing>
 </p:sld>
 </file>
 
@@ -4668,13 +4528,6 @@
   <p:clrMapOvr>
     <a:masterClrMapping/>
   </p:clrMapOvr>
-  <p:timing>
-    <p:tnLst>
-      <p:par>
-        <p:cTn xmlns:p14="http://schemas.microsoft.com/office/powerpoint/2010/main" id="1" dur="indefinite" restart="never" nodeType="tmRoot"/>
-      </p:par>
-    </p:tnLst>
-  </p:timing>
 </p:sld>
 </file>
 
@@ -4754,13 +4607,6 @@
   <p:clrMapOvr>
     <a:masterClrMapping/>
   </p:clrMapOvr>
-  <p:timing>
-    <p:tnLst>
-      <p:par>
-        <p:cTn xmlns:p14="http://schemas.microsoft.com/office/powerpoint/2010/main" id="1" dur="indefinite" restart="never" nodeType="tmRoot"/>
-      </p:par>
-    </p:tnLst>
-  </p:timing>
 </p:sld>
 </file>
 
@@ -4797,10 +4643,9 @@
           <a:lstStyle/>
           <a:p>
             <a:r>
-              <a:rPr lang="en-US" dirty="0" smtClean="0"/>
+              <a:rPr lang="en-US" dirty="0"/>
               <a:t>Abundance/expression estimation methods</a:t>
             </a:r>
-            <a:endParaRPr lang="en-US" dirty="0"/>
           </a:p>
         </p:txBody>
       </p:sp>
@@ -4820,64 +4665,64 @@
           <a:lstStyle/>
           <a:p>
             <a:r>
-              <a:rPr lang="en-US" dirty="0" smtClean="0"/>
+              <a:rPr lang="en-US" dirty="0"/>
               <a:t>Raw Counts</a:t>
             </a:r>
           </a:p>
           <a:p>
             <a:pPr lvl="1"/>
             <a:r>
-              <a:rPr lang="en-US" dirty="0" err="1" smtClean="0">
+              <a:rPr lang="en-US" dirty="0" err="1">
                 <a:hlinkClick r:id="rId2"/>
               </a:rPr>
               <a:t>HTSeq</a:t>
             </a:r>
             <a:r>
-              <a:rPr lang="en-US" dirty="0" smtClean="0">
+              <a:rPr lang="en-US" dirty="0">
                 <a:hlinkClick r:id="rId2"/>
               </a:rPr>
               <a:t>-Count</a:t>
             </a:r>
-            <a:endParaRPr lang="en-US" dirty="0" smtClean="0"/>
+            <a:endParaRPr lang="en-US" dirty="0"/>
           </a:p>
           <a:p>
             <a:pPr lvl="1"/>
             <a:r>
-              <a:rPr lang="en-US" dirty="0" err="1" smtClean="0">
+              <a:rPr lang="en-US" dirty="0" err="1">
                 <a:hlinkClick r:id="rId3"/>
               </a:rPr>
               <a:t>FeatureCounts</a:t>
             </a:r>
-            <a:endParaRPr lang="en-US" dirty="0" smtClean="0"/>
+            <a:endParaRPr lang="en-US" dirty="0"/>
           </a:p>
           <a:p>
             <a:pPr lvl="1"/>
             <a:r>
-              <a:rPr lang="en-US" dirty="0" err="1" smtClean="0">
+              <a:rPr lang="en-US" dirty="0" err="1">
                 <a:hlinkClick r:id="rId4"/>
               </a:rPr>
               <a:t>StringTie</a:t>
             </a:r>
-            <a:endParaRPr lang="en-US" dirty="0" smtClean="0"/>
-          </a:p>
-          <a:p>
-            <a:endParaRPr lang="en-US" dirty="0" smtClean="0"/>
-          </a:p>
-          <a:p>
-            <a:r>
-              <a:rPr lang="en-US" dirty="0" smtClean="0"/>
+            <a:endParaRPr lang="en-US" dirty="0"/>
+          </a:p>
+          <a:p>
+            <a:endParaRPr lang="en-US" dirty="0"/>
+          </a:p>
+          <a:p>
+            <a:r>
+              <a:rPr lang="en-US" dirty="0"/>
               <a:t>RPKM/FPKM values</a:t>
             </a:r>
           </a:p>
           <a:p>
             <a:pPr lvl="1"/>
             <a:r>
-              <a:rPr lang="en-US" dirty="0" err="1" smtClean="0">
+              <a:rPr lang="en-US" dirty="0" err="1">
                 <a:hlinkClick r:id="rId4"/>
               </a:rPr>
               <a:t>StringTie</a:t>
             </a:r>
-            <a:endParaRPr lang="en-US" dirty="0" smtClean="0"/>
+            <a:endParaRPr lang="en-US" dirty="0"/>
           </a:p>
           <a:p>
             <a:pPr lvl="1"/>
@@ -4885,34 +4730,34 @@
           </a:p>
           <a:p>
             <a:r>
-              <a:rPr lang="en-US" dirty="0" smtClean="0"/>
+              <a:rPr lang="en-US" dirty="0"/>
               <a:t>TPM values</a:t>
             </a:r>
           </a:p>
           <a:p>
             <a:pPr lvl="1"/>
             <a:r>
-              <a:rPr lang="en-US" dirty="0" err="1" smtClean="0">
+              <a:rPr lang="en-US" dirty="0" err="1">
                 <a:hlinkClick r:id="rId5"/>
               </a:rPr>
               <a:t>Kallisto</a:t>
             </a:r>
-            <a:endParaRPr lang="en-US" dirty="0" smtClean="0"/>
+            <a:endParaRPr lang="en-US" dirty="0"/>
           </a:p>
           <a:p>
             <a:pPr lvl="1"/>
             <a:r>
-              <a:rPr lang="en-US" dirty="0" smtClean="0">
+              <a:rPr lang="en-US" dirty="0">
                 <a:hlinkClick r:id="rId6"/>
               </a:rPr>
               <a:t>Salmon</a:t>
             </a:r>
-            <a:endParaRPr lang="en-US" dirty="0" smtClean="0"/>
+            <a:endParaRPr lang="en-US" dirty="0"/>
           </a:p>
           <a:p>
             <a:pPr lvl="1"/>
             <a:r>
-              <a:rPr lang="en-US" dirty="0" err="1" smtClean="0">
+              <a:rPr lang="en-US" dirty="0" err="1">
                 <a:hlinkClick r:id="rId4"/>
               </a:rPr>
               <a:t>StringTie</a:t>
@@ -5295,10 +5140,9 @@
           <a:lstStyle/>
           <a:p>
             <a:r>
-              <a:rPr lang="en-US" dirty="0" smtClean="0"/>
+              <a:rPr lang="en-US" dirty="0"/>
               <a:t>What are raw counts?</a:t>
             </a:r>
-            <a:endParaRPr lang="en-US" dirty="0"/>
           </a:p>
         </p:txBody>
       </p:sp>
@@ -5792,7 +5636,7 @@
   <a:extraClrSchemeLst/>
   <a:extLst>
     <a:ext uri="{05A4C25C-085E-4340-85A3-A5531E510DB2}">
-      <thm15:themeFamily xmlns="" xmlns:thm15="http://schemas.microsoft.com/office/thememl/2012/main" name="MGI_4-3_ratio_v1a" id="{9A0171FA-20F4-F840-B1C8-29D686AB0540}" vid="{60506783-C923-7847-B1CA-7C860CC95497}"/>
+      <thm15:themeFamily xmlns:thm15="http://schemas.microsoft.com/office/thememl/2012/main" name="MGI_4-3_ratio_v1a" id="{9A0171FA-20F4-F840-B1C8-29D686AB0540}" vid="{60506783-C923-7847-B1CA-7C860CC95497}"/>
     </a:ext>
   </a:extLst>
 </a:theme>
